--- a/ebook_project/PROJETO EBOOK.pptx
+++ b/ebook_project/PROJETO EBOOK.pptx
@@ -1,37 +1,37 @@
 
 <file path=ppt/presentation.xml><?xml version="1.0" encoding="utf-8"?>
-<p:presentation xmlns:a="http://schemas.openxmlformats.org/drawingml/2006/main" xmlns:r="http://schemas.openxmlformats.org/officeDocument/2006/relationships" xmlns:p="http://schemas.openxmlformats.org/presentationml/2006/main" saveSubsetFonts="1">
+<p:presentation xmlns:a="http://schemas.openxmlformats.org/drawingml/2006/main" xmlns:r="http://schemas.openxmlformats.org/officeDocument/2006/relationships" xmlns:p="http://schemas.openxmlformats.org/presentationml/2006/main">
   <p:sldMasterIdLst>
-    <p:sldMasterId id="2147483672" r:id="rId1"/>
+    <p:sldMasterId id="2147483648" r:id="rId1"/>
   </p:sldMasterIdLst>
   <p:sldIdLst>
-    <p:sldId id="283" r:id="rId2"/>
-    <p:sldId id="257" r:id="rId3"/>
-    <p:sldId id="256" r:id="rId4"/>
-    <p:sldId id="258" r:id="rId5"/>
-    <p:sldId id="259" r:id="rId6"/>
-    <p:sldId id="260" r:id="rId7"/>
-    <p:sldId id="261" r:id="rId8"/>
-    <p:sldId id="262" r:id="rId9"/>
-    <p:sldId id="264" r:id="rId10"/>
-    <p:sldId id="265" r:id="rId11"/>
-    <p:sldId id="266" r:id="rId12"/>
-    <p:sldId id="282" r:id="rId13"/>
-    <p:sldId id="267" r:id="rId14"/>
-    <p:sldId id="268" r:id="rId15"/>
-    <p:sldId id="269" r:id="rId16"/>
-    <p:sldId id="270" r:id="rId17"/>
-    <p:sldId id="271" r:id="rId18"/>
-    <p:sldId id="272" r:id="rId19"/>
-    <p:sldId id="273" r:id="rId20"/>
-    <p:sldId id="275" r:id="rId21"/>
-    <p:sldId id="274" r:id="rId22"/>
-    <p:sldId id="276" r:id="rId23"/>
-    <p:sldId id="277" r:id="rId24"/>
-    <p:sldId id="278" r:id="rId25"/>
-    <p:sldId id="279" r:id="rId26"/>
-    <p:sldId id="280" r:id="rId27"/>
-    <p:sldId id="281" r:id="rId28"/>
+    <p:sldId id="283" r:id="rId3"/>
+    <p:sldId id="257" r:id="rId4"/>
+    <p:sldId id="256" r:id="rId5"/>
+    <p:sldId id="258" r:id="rId6"/>
+    <p:sldId id="259" r:id="rId7"/>
+    <p:sldId id="260" r:id="rId8"/>
+    <p:sldId id="261" r:id="rId9"/>
+    <p:sldId id="262" r:id="rId10"/>
+    <p:sldId id="264" r:id="rId11"/>
+    <p:sldId id="265" r:id="rId12"/>
+    <p:sldId id="266" r:id="rId13"/>
+    <p:sldId id="282" r:id="rId14"/>
+    <p:sldId id="267" r:id="rId15"/>
+    <p:sldId id="268" r:id="rId16"/>
+    <p:sldId id="269" r:id="rId17"/>
+    <p:sldId id="270" r:id="rId18"/>
+    <p:sldId id="271" r:id="rId19"/>
+    <p:sldId id="272" r:id="rId20"/>
+    <p:sldId id="273" r:id="rId21"/>
+    <p:sldId id="275" r:id="rId22"/>
+    <p:sldId id="274" r:id="rId23"/>
+    <p:sldId id="276" r:id="rId24"/>
+    <p:sldId id="277" r:id="rId25"/>
+    <p:sldId id="278" r:id="rId26"/>
+    <p:sldId id="279" r:id="rId27"/>
+    <p:sldId id="280" r:id="rId28"/>
+    <p:sldId id="281" r:id="rId29"/>
   </p:sldIdLst>
   <p:sldSz cx="6858000" cy="9906000" type="A4"/>
   <p:notesSz cx="6858000" cy="9144000"/>
@@ -157,7 +157,7 @@
             <a:spLocks noGrp="1"/>
           </p:cNvSpPr>
           <p:nvPr>
-            <p:ph type="ctrTitle"/>
+            <p:ph type="ctrTitle" hasCustomPrompt="1"/>
           </p:nvPr>
         </p:nvSpPr>
         <p:spPr>
@@ -264,7 +264,6 @@
           <a:p>
             <a:fld id="{7E84C210-3DD2-4558-AB10-4175520FFDBA}" type="datetimeFigureOut">
               <a:rPr lang="pt-BR" smtClean="0"/>
-              <a:t>26/05/2024</a:t>
             </a:fld>
             <a:endParaRPr lang="pt-BR"/>
           </a:p>
@@ -306,18 +305,12 @@
           <a:p>
             <a:fld id="{E8246004-2F9D-42E5-9E5E-B4E8085ED935}" type="slidenum">
               <a:rPr lang="pt-BR" smtClean="0"/>
-              <a:t>‹nº›</a:t>
             </a:fld>
             <a:endParaRPr lang="pt-BR"/>
           </a:p>
         </p:txBody>
       </p:sp>
     </p:spTree>
-    <p:extLst>
-      <p:ext uri="{BB962C8B-B14F-4D97-AF65-F5344CB8AC3E}">
-        <p14:creationId xmlns:p14="http://schemas.microsoft.com/office/powerpoint/2010/main" val="4059941496"/>
-      </p:ext>
-    </p:extLst>
   </p:cSld>
   <p:clrMapOvr>
     <a:masterClrMapping/>
@@ -349,7 +342,7 @@
             <a:spLocks noGrp="1"/>
           </p:cNvSpPr>
           <p:nvPr>
-            <p:ph type="title"/>
+            <p:ph type="title" hasCustomPrompt="1"/>
           </p:nvPr>
         </p:nvSpPr>
         <p:spPr/>
@@ -372,7 +365,7 @@
             <a:spLocks noGrp="1"/>
           </p:cNvSpPr>
           <p:nvPr>
-            <p:ph type="body" orient="vert" idx="1"/>
+            <p:ph type="body" orient="vert" idx="1" hasCustomPrompt="1"/>
           </p:nvPr>
         </p:nvSpPr>
         <p:spPr/>
@@ -385,6 +378,7 @@
               <a:rPr lang="pt-BR"/>
               <a:t>Clique para editar os estilos de texto Mestres</a:t>
             </a:r>
+            <a:endParaRPr lang="pt-BR"/>
           </a:p>
           <a:p>
             <a:pPr lvl="1"/>
@@ -392,6 +386,7 @@
               <a:rPr lang="pt-BR"/>
               <a:t>Segundo nível</a:t>
             </a:r>
+            <a:endParaRPr lang="pt-BR"/>
           </a:p>
           <a:p>
             <a:pPr lvl="2"/>
@@ -399,6 +394,7 @@
               <a:rPr lang="pt-BR"/>
               <a:t>Terceiro nível</a:t>
             </a:r>
+            <a:endParaRPr lang="pt-BR"/>
           </a:p>
           <a:p>
             <a:pPr lvl="3"/>
@@ -406,6 +402,7 @@
               <a:rPr lang="pt-BR"/>
               <a:t>Quarto nível</a:t>
             </a:r>
+            <a:endParaRPr lang="pt-BR"/>
           </a:p>
           <a:p>
             <a:pPr lvl="4"/>
@@ -434,7 +431,6 @@
           <a:p>
             <a:fld id="{7E84C210-3DD2-4558-AB10-4175520FFDBA}" type="datetimeFigureOut">
               <a:rPr lang="pt-BR" smtClean="0"/>
-              <a:t>26/05/2024</a:t>
             </a:fld>
             <a:endParaRPr lang="pt-BR"/>
           </a:p>
@@ -476,18 +472,12 @@
           <a:p>
             <a:fld id="{E8246004-2F9D-42E5-9E5E-B4E8085ED935}" type="slidenum">
               <a:rPr lang="pt-BR" smtClean="0"/>
-              <a:t>‹nº›</a:t>
             </a:fld>
             <a:endParaRPr lang="pt-BR"/>
           </a:p>
         </p:txBody>
       </p:sp>
     </p:spTree>
-    <p:extLst>
-      <p:ext uri="{BB962C8B-B14F-4D97-AF65-F5344CB8AC3E}">
-        <p14:creationId xmlns:p14="http://schemas.microsoft.com/office/powerpoint/2010/main" val="3658628830"/>
-      </p:ext>
-    </p:extLst>
   </p:cSld>
   <p:clrMapOvr>
     <a:masterClrMapping/>
@@ -519,7 +509,7 @@
             <a:spLocks noGrp="1"/>
           </p:cNvSpPr>
           <p:nvPr>
-            <p:ph type="title" orient="vert"/>
+            <p:ph type="title" orient="vert" hasCustomPrompt="1"/>
           </p:nvPr>
         </p:nvSpPr>
         <p:spPr>
@@ -547,7 +537,7 @@
             <a:spLocks noGrp="1"/>
           </p:cNvSpPr>
           <p:nvPr>
-            <p:ph type="body" orient="vert" idx="1"/>
+            <p:ph type="body" orient="vert" idx="1" hasCustomPrompt="1"/>
           </p:nvPr>
         </p:nvSpPr>
         <p:spPr>
@@ -565,6 +555,7 @@
               <a:rPr lang="pt-BR"/>
               <a:t>Clique para editar os estilos de texto Mestres</a:t>
             </a:r>
+            <a:endParaRPr lang="pt-BR"/>
           </a:p>
           <a:p>
             <a:pPr lvl="1"/>
@@ -572,6 +563,7 @@
               <a:rPr lang="pt-BR"/>
               <a:t>Segundo nível</a:t>
             </a:r>
+            <a:endParaRPr lang="pt-BR"/>
           </a:p>
           <a:p>
             <a:pPr lvl="2"/>
@@ -579,6 +571,7 @@
               <a:rPr lang="pt-BR"/>
               <a:t>Terceiro nível</a:t>
             </a:r>
+            <a:endParaRPr lang="pt-BR"/>
           </a:p>
           <a:p>
             <a:pPr lvl="3"/>
@@ -586,6 +579,7 @@
               <a:rPr lang="pt-BR"/>
               <a:t>Quarto nível</a:t>
             </a:r>
+            <a:endParaRPr lang="pt-BR"/>
           </a:p>
           <a:p>
             <a:pPr lvl="4"/>
@@ -614,7 +608,6 @@
           <a:p>
             <a:fld id="{7E84C210-3DD2-4558-AB10-4175520FFDBA}" type="datetimeFigureOut">
               <a:rPr lang="pt-BR" smtClean="0"/>
-              <a:t>26/05/2024</a:t>
             </a:fld>
             <a:endParaRPr lang="pt-BR"/>
           </a:p>
@@ -656,18 +649,12 @@
           <a:p>
             <a:fld id="{E8246004-2F9D-42E5-9E5E-B4E8085ED935}" type="slidenum">
               <a:rPr lang="pt-BR" smtClean="0"/>
-              <a:t>‹nº›</a:t>
             </a:fld>
             <a:endParaRPr lang="pt-BR"/>
           </a:p>
         </p:txBody>
       </p:sp>
     </p:spTree>
-    <p:extLst>
-      <p:ext uri="{BB962C8B-B14F-4D97-AF65-F5344CB8AC3E}">
-        <p14:creationId xmlns:p14="http://schemas.microsoft.com/office/powerpoint/2010/main" val="1487621451"/>
-      </p:ext>
-    </p:extLst>
   </p:cSld>
   <p:clrMapOvr>
     <a:masterClrMapping/>
@@ -699,7 +686,7 @@
             <a:spLocks noGrp="1"/>
           </p:cNvSpPr>
           <p:nvPr>
-            <p:ph type="title"/>
+            <p:ph type="title" hasCustomPrompt="1"/>
           </p:nvPr>
         </p:nvSpPr>
         <p:spPr/>
@@ -722,7 +709,7 @@
             <a:spLocks noGrp="1"/>
           </p:cNvSpPr>
           <p:nvPr>
-            <p:ph idx="1"/>
+            <p:ph idx="1" hasCustomPrompt="1"/>
           </p:nvPr>
         </p:nvSpPr>
         <p:spPr/>
@@ -735,6 +722,7 @@
               <a:rPr lang="pt-BR"/>
               <a:t>Clique para editar os estilos de texto Mestres</a:t>
             </a:r>
+            <a:endParaRPr lang="pt-BR"/>
           </a:p>
           <a:p>
             <a:pPr lvl="1"/>
@@ -742,6 +730,7 @@
               <a:rPr lang="pt-BR"/>
               <a:t>Segundo nível</a:t>
             </a:r>
+            <a:endParaRPr lang="pt-BR"/>
           </a:p>
           <a:p>
             <a:pPr lvl="2"/>
@@ -749,6 +738,7 @@
               <a:rPr lang="pt-BR"/>
               <a:t>Terceiro nível</a:t>
             </a:r>
+            <a:endParaRPr lang="pt-BR"/>
           </a:p>
           <a:p>
             <a:pPr lvl="3"/>
@@ -756,6 +746,7 @@
               <a:rPr lang="pt-BR"/>
               <a:t>Quarto nível</a:t>
             </a:r>
+            <a:endParaRPr lang="pt-BR"/>
           </a:p>
           <a:p>
             <a:pPr lvl="4"/>
@@ -784,7 +775,6 @@
           <a:p>
             <a:fld id="{7E84C210-3DD2-4558-AB10-4175520FFDBA}" type="datetimeFigureOut">
               <a:rPr lang="pt-BR" smtClean="0"/>
-              <a:t>26/05/2024</a:t>
             </a:fld>
             <a:endParaRPr lang="pt-BR"/>
           </a:p>
@@ -826,18 +816,12 @@
           <a:p>
             <a:fld id="{E8246004-2F9D-42E5-9E5E-B4E8085ED935}" type="slidenum">
               <a:rPr lang="pt-BR" smtClean="0"/>
-              <a:t>‹nº›</a:t>
             </a:fld>
             <a:endParaRPr lang="pt-BR"/>
           </a:p>
         </p:txBody>
       </p:sp>
     </p:spTree>
-    <p:extLst>
-      <p:ext uri="{BB962C8B-B14F-4D97-AF65-F5344CB8AC3E}">
-        <p14:creationId xmlns:p14="http://schemas.microsoft.com/office/powerpoint/2010/main" val="201009125"/>
-      </p:ext>
-    </p:extLst>
   </p:cSld>
   <p:clrMapOvr>
     <a:masterClrMapping/>
@@ -869,7 +853,7 @@
             <a:spLocks noGrp="1"/>
           </p:cNvSpPr>
           <p:nvPr>
-            <p:ph type="title"/>
+            <p:ph type="title" hasCustomPrompt="1"/>
           </p:nvPr>
         </p:nvSpPr>
         <p:spPr>
@@ -901,7 +885,7 @@
             <a:spLocks noGrp="1"/>
           </p:cNvSpPr>
           <p:nvPr>
-            <p:ph type="body" idx="1"/>
+            <p:ph type="body" idx="1" hasCustomPrompt="1"/>
           </p:nvPr>
         </p:nvSpPr>
         <p:spPr>
@@ -1008,6 +992,7 @@
               <a:rPr lang="pt-BR"/>
               <a:t>Clique para editar os estilos de texto Mestres</a:t>
             </a:r>
+            <a:endParaRPr lang="pt-BR"/>
           </a:p>
         </p:txBody>
       </p:sp>
@@ -1028,7 +1013,6 @@
           <a:p>
             <a:fld id="{7E84C210-3DD2-4558-AB10-4175520FFDBA}" type="datetimeFigureOut">
               <a:rPr lang="pt-BR" smtClean="0"/>
-              <a:t>26/05/2024</a:t>
             </a:fld>
             <a:endParaRPr lang="pt-BR"/>
           </a:p>
@@ -1070,18 +1054,12 @@
           <a:p>
             <a:fld id="{E8246004-2F9D-42E5-9E5E-B4E8085ED935}" type="slidenum">
               <a:rPr lang="pt-BR" smtClean="0"/>
-              <a:t>‹nº›</a:t>
             </a:fld>
             <a:endParaRPr lang="pt-BR"/>
           </a:p>
         </p:txBody>
       </p:sp>
     </p:spTree>
-    <p:extLst>
-      <p:ext uri="{BB962C8B-B14F-4D97-AF65-F5344CB8AC3E}">
-        <p14:creationId xmlns:p14="http://schemas.microsoft.com/office/powerpoint/2010/main" val="3149884087"/>
-      </p:ext>
-    </p:extLst>
   </p:cSld>
   <p:clrMapOvr>
     <a:masterClrMapping/>
@@ -1113,7 +1091,7 @@
             <a:spLocks noGrp="1"/>
           </p:cNvSpPr>
           <p:nvPr>
-            <p:ph type="title"/>
+            <p:ph type="title" hasCustomPrompt="1"/>
           </p:nvPr>
         </p:nvSpPr>
         <p:spPr/>
@@ -1136,7 +1114,7 @@
             <a:spLocks noGrp="1"/>
           </p:cNvSpPr>
           <p:nvPr>
-            <p:ph sz="half" idx="1"/>
+            <p:ph sz="half" idx="1" hasCustomPrompt="1"/>
           </p:nvPr>
         </p:nvSpPr>
         <p:spPr>
@@ -1154,6 +1132,7 @@
               <a:rPr lang="pt-BR"/>
               <a:t>Clique para editar os estilos de texto Mestres</a:t>
             </a:r>
+            <a:endParaRPr lang="pt-BR"/>
           </a:p>
           <a:p>
             <a:pPr lvl="1"/>
@@ -1161,6 +1140,7 @@
               <a:rPr lang="pt-BR"/>
               <a:t>Segundo nível</a:t>
             </a:r>
+            <a:endParaRPr lang="pt-BR"/>
           </a:p>
           <a:p>
             <a:pPr lvl="2"/>
@@ -1168,6 +1148,7 @@
               <a:rPr lang="pt-BR"/>
               <a:t>Terceiro nível</a:t>
             </a:r>
+            <a:endParaRPr lang="pt-BR"/>
           </a:p>
           <a:p>
             <a:pPr lvl="3"/>
@@ -1175,6 +1156,7 @@
               <a:rPr lang="pt-BR"/>
               <a:t>Quarto nível</a:t>
             </a:r>
+            <a:endParaRPr lang="pt-BR"/>
           </a:p>
           <a:p>
             <a:pPr lvl="4"/>
@@ -1193,7 +1175,7 @@
             <a:spLocks noGrp="1"/>
           </p:cNvSpPr>
           <p:nvPr>
-            <p:ph sz="half" idx="2"/>
+            <p:ph sz="half" idx="2" hasCustomPrompt="1"/>
           </p:nvPr>
         </p:nvSpPr>
         <p:spPr>
@@ -1211,6 +1193,7 @@
               <a:rPr lang="pt-BR"/>
               <a:t>Clique para editar os estilos de texto Mestres</a:t>
             </a:r>
+            <a:endParaRPr lang="pt-BR"/>
           </a:p>
           <a:p>
             <a:pPr lvl="1"/>
@@ -1218,6 +1201,7 @@
               <a:rPr lang="pt-BR"/>
               <a:t>Segundo nível</a:t>
             </a:r>
+            <a:endParaRPr lang="pt-BR"/>
           </a:p>
           <a:p>
             <a:pPr lvl="2"/>
@@ -1225,6 +1209,7 @@
               <a:rPr lang="pt-BR"/>
               <a:t>Terceiro nível</a:t>
             </a:r>
+            <a:endParaRPr lang="pt-BR"/>
           </a:p>
           <a:p>
             <a:pPr lvl="3"/>
@@ -1232,6 +1217,7 @@
               <a:rPr lang="pt-BR"/>
               <a:t>Quarto nível</a:t>
             </a:r>
+            <a:endParaRPr lang="pt-BR"/>
           </a:p>
           <a:p>
             <a:pPr lvl="4"/>
@@ -1260,7 +1246,6 @@
           <a:p>
             <a:fld id="{7E84C210-3DD2-4558-AB10-4175520FFDBA}" type="datetimeFigureOut">
               <a:rPr lang="pt-BR" smtClean="0"/>
-              <a:t>26/05/2024</a:t>
             </a:fld>
             <a:endParaRPr lang="pt-BR"/>
           </a:p>
@@ -1302,18 +1287,12 @@
           <a:p>
             <a:fld id="{E8246004-2F9D-42E5-9E5E-B4E8085ED935}" type="slidenum">
               <a:rPr lang="pt-BR" smtClean="0"/>
-              <a:t>‹nº›</a:t>
             </a:fld>
             <a:endParaRPr lang="pt-BR"/>
           </a:p>
         </p:txBody>
       </p:sp>
     </p:spTree>
-    <p:extLst>
-      <p:ext uri="{BB962C8B-B14F-4D97-AF65-F5344CB8AC3E}">
-        <p14:creationId xmlns:p14="http://schemas.microsoft.com/office/powerpoint/2010/main" val="2175469104"/>
-      </p:ext>
-    </p:extLst>
   </p:cSld>
   <p:clrMapOvr>
     <a:masterClrMapping/>
@@ -1345,7 +1324,7 @@
             <a:spLocks noGrp="1"/>
           </p:cNvSpPr>
           <p:nvPr>
-            <p:ph type="title"/>
+            <p:ph type="title" hasCustomPrompt="1"/>
           </p:nvPr>
         </p:nvSpPr>
         <p:spPr>
@@ -1373,7 +1352,7 @@
             <a:spLocks noGrp="1"/>
           </p:cNvSpPr>
           <p:nvPr>
-            <p:ph type="body" idx="1"/>
+            <p:ph type="body" idx="1" hasCustomPrompt="1"/>
           </p:nvPr>
         </p:nvSpPr>
         <p:spPr>
@@ -1428,6 +1407,7 @@
               <a:rPr lang="pt-BR"/>
               <a:t>Clique para editar os estilos de texto Mestres</a:t>
             </a:r>
+            <a:endParaRPr lang="pt-BR"/>
           </a:p>
         </p:txBody>
       </p:sp>
@@ -1438,7 +1418,7 @@
             <a:spLocks noGrp="1"/>
           </p:cNvSpPr>
           <p:nvPr>
-            <p:ph sz="half" idx="2"/>
+            <p:ph sz="half" idx="2" hasCustomPrompt="1"/>
           </p:nvPr>
         </p:nvSpPr>
         <p:spPr>
@@ -1456,6 +1436,7 @@
               <a:rPr lang="pt-BR"/>
               <a:t>Clique para editar os estilos de texto Mestres</a:t>
             </a:r>
+            <a:endParaRPr lang="pt-BR"/>
           </a:p>
           <a:p>
             <a:pPr lvl="1"/>
@@ -1463,6 +1444,7 @@
               <a:rPr lang="pt-BR"/>
               <a:t>Segundo nível</a:t>
             </a:r>
+            <a:endParaRPr lang="pt-BR"/>
           </a:p>
           <a:p>
             <a:pPr lvl="2"/>
@@ -1470,6 +1452,7 @@
               <a:rPr lang="pt-BR"/>
               <a:t>Terceiro nível</a:t>
             </a:r>
+            <a:endParaRPr lang="pt-BR"/>
           </a:p>
           <a:p>
             <a:pPr lvl="3"/>
@@ -1477,6 +1460,7 @@
               <a:rPr lang="pt-BR"/>
               <a:t>Quarto nível</a:t>
             </a:r>
+            <a:endParaRPr lang="pt-BR"/>
           </a:p>
           <a:p>
             <a:pPr lvl="4"/>
@@ -1495,7 +1479,7 @@
             <a:spLocks noGrp="1"/>
           </p:cNvSpPr>
           <p:nvPr>
-            <p:ph type="body" sz="quarter" idx="3"/>
+            <p:ph type="body" sz="quarter" idx="3" hasCustomPrompt="1"/>
           </p:nvPr>
         </p:nvSpPr>
         <p:spPr>
@@ -1550,6 +1534,7 @@
               <a:rPr lang="pt-BR"/>
               <a:t>Clique para editar os estilos de texto Mestres</a:t>
             </a:r>
+            <a:endParaRPr lang="pt-BR"/>
           </a:p>
         </p:txBody>
       </p:sp>
@@ -1560,7 +1545,7 @@
             <a:spLocks noGrp="1"/>
           </p:cNvSpPr>
           <p:nvPr>
-            <p:ph sz="quarter" idx="4"/>
+            <p:ph sz="quarter" idx="4" hasCustomPrompt="1"/>
           </p:nvPr>
         </p:nvSpPr>
         <p:spPr>
@@ -1578,6 +1563,7 @@
               <a:rPr lang="pt-BR"/>
               <a:t>Clique para editar os estilos de texto Mestres</a:t>
             </a:r>
+            <a:endParaRPr lang="pt-BR"/>
           </a:p>
           <a:p>
             <a:pPr lvl="1"/>
@@ -1585,6 +1571,7 @@
               <a:rPr lang="pt-BR"/>
               <a:t>Segundo nível</a:t>
             </a:r>
+            <a:endParaRPr lang="pt-BR"/>
           </a:p>
           <a:p>
             <a:pPr lvl="2"/>
@@ -1592,6 +1579,7 @@
               <a:rPr lang="pt-BR"/>
               <a:t>Terceiro nível</a:t>
             </a:r>
+            <a:endParaRPr lang="pt-BR"/>
           </a:p>
           <a:p>
             <a:pPr lvl="3"/>
@@ -1599,6 +1587,7 @@
               <a:rPr lang="pt-BR"/>
               <a:t>Quarto nível</a:t>
             </a:r>
+            <a:endParaRPr lang="pt-BR"/>
           </a:p>
           <a:p>
             <a:pPr lvl="4"/>
@@ -1627,7 +1616,6 @@
           <a:p>
             <a:fld id="{7E84C210-3DD2-4558-AB10-4175520FFDBA}" type="datetimeFigureOut">
               <a:rPr lang="pt-BR" smtClean="0"/>
-              <a:t>26/05/2024</a:t>
             </a:fld>
             <a:endParaRPr lang="pt-BR"/>
           </a:p>
@@ -1669,18 +1657,12 @@
           <a:p>
             <a:fld id="{E8246004-2F9D-42E5-9E5E-B4E8085ED935}" type="slidenum">
               <a:rPr lang="pt-BR" smtClean="0"/>
-              <a:t>‹nº›</a:t>
             </a:fld>
             <a:endParaRPr lang="pt-BR"/>
           </a:p>
         </p:txBody>
       </p:sp>
     </p:spTree>
-    <p:extLst>
-      <p:ext uri="{BB962C8B-B14F-4D97-AF65-F5344CB8AC3E}">
-        <p14:creationId xmlns:p14="http://schemas.microsoft.com/office/powerpoint/2010/main" val="1489689545"/>
-      </p:ext>
-    </p:extLst>
   </p:cSld>
   <p:clrMapOvr>
     <a:masterClrMapping/>
@@ -1712,7 +1694,7 @@
             <a:spLocks noGrp="1"/>
           </p:cNvSpPr>
           <p:nvPr>
-            <p:ph type="title"/>
+            <p:ph type="title" hasCustomPrompt="1"/>
           </p:nvPr>
         </p:nvSpPr>
         <p:spPr/>
@@ -1745,7 +1727,6 @@
           <a:p>
             <a:fld id="{7E84C210-3DD2-4558-AB10-4175520FFDBA}" type="datetimeFigureOut">
               <a:rPr lang="pt-BR" smtClean="0"/>
-              <a:t>26/05/2024</a:t>
             </a:fld>
             <a:endParaRPr lang="pt-BR"/>
           </a:p>
@@ -1787,18 +1768,12 @@
           <a:p>
             <a:fld id="{E8246004-2F9D-42E5-9E5E-B4E8085ED935}" type="slidenum">
               <a:rPr lang="pt-BR" smtClean="0"/>
-              <a:t>‹nº›</a:t>
             </a:fld>
             <a:endParaRPr lang="pt-BR"/>
           </a:p>
         </p:txBody>
       </p:sp>
     </p:spTree>
-    <p:extLst>
-      <p:ext uri="{BB962C8B-B14F-4D97-AF65-F5344CB8AC3E}">
-        <p14:creationId xmlns:p14="http://schemas.microsoft.com/office/powerpoint/2010/main" val="886056131"/>
-      </p:ext>
-    </p:extLst>
   </p:cSld>
   <p:clrMapOvr>
     <a:masterClrMapping/>
@@ -1840,7 +1815,6 @@
           <a:p>
             <a:fld id="{7E84C210-3DD2-4558-AB10-4175520FFDBA}" type="datetimeFigureOut">
               <a:rPr lang="pt-BR" smtClean="0"/>
-              <a:t>26/05/2024</a:t>
             </a:fld>
             <a:endParaRPr lang="pt-BR"/>
           </a:p>
@@ -1882,18 +1856,12 @@
           <a:p>
             <a:fld id="{E8246004-2F9D-42E5-9E5E-B4E8085ED935}" type="slidenum">
               <a:rPr lang="pt-BR" smtClean="0"/>
-              <a:t>‹nº›</a:t>
             </a:fld>
             <a:endParaRPr lang="pt-BR"/>
           </a:p>
         </p:txBody>
       </p:sp>
     </p:spTree>
-    <p:extLst>
-      <p:ext uri="{BB962C8B-B14F-4D97-AF65-F5344CB8AC3E}">
-        <p14:creationId xmlns:p14="http://schemas.microsoft.com/office/powerpoint/2010/main" val="871926555"/>
-      </p:ext>
-    </p:extLst>
   </p:cSld>
   <p:clrMapOvr>
     <a:masterClrMapping/>
@@ -1925,7 +1893,7 @@
             <a:spLocks noGrp="1"/>
           </p:cNvSpPr>
           <p:nvPr>
-            <p:ph type="title"/>
+            <p:ph type="title" hasCustomPrompt="1"/>
           </p:nvPr>
         </p:nvSpPr>
         <p:spPr>
@@ -1957,7 +1925,7 @@
             <a:spLocks noGrp="1"/>
           </p:cNvSpPr>
           <p:nvPr>
-            <p:ph idx="1"/>
+            <p:ph idx="1" hasCustomPrompt="1"/>
           </p:nvPr>
         </p:nvSpPr>
         <p:spPr>
@@ -2003,6 +1971,7 @@
               <a:rPr lang="pt-BR"/>
               <a:t>Clique para editar os estilos de texto Mestres</a:t>
             </a:r>
+            <a:endParaRPr lang="pt-BR"/>
           </a:p>
           <a:p>
             <a:pPr lvl="1"/>
@@ -2010,6 +1979,7 @@
               <a:rPr lang="pt-BR"/>
               <a:t>Segundo nível</a:t>
             </a:r>
+            <a:endParaRPr lang="pt-BR"/>
           </a:p>
           <a:p>
             <a:pPr lvl="2"/>
@@ -2017,6 +1987,7 @@
               <a:rPr lang="pt-BR"/>
               <a:t>Terceiro nível</a:t>
             </a:r>
+            <a:endParaRPr lang="pt-BR"/>
           </a:p>
           <a:p>
             <a:pPr lvl="3"/>
@@ -2024,6 +1995,7 @@
               <a:rPr lang="pt-BR"/>
               <a:t>Quarto nível</a:t>
             </a:r>
+            <a:endParaRPr lang="pt-BR"/>
           </a:p>
           <a:p>
             <a:pPr lvl="4"/>
@@ -2042,7 +2014,7 @@
             <a:spLocks noGrp="1"/>
           </p:cNvSpPr>
           <p:nvPr>
-            <p:ph type="body" sz="half" idx="2"/>
+            <p:ph type="body" sz="half" idx="2" hasCustomPrompt="1"/>
           </p:nvPr>
         </p:nvSpPr>
         <p:spPr>
@@ -2097,6 +2069,7 @@
               <a:rPr lang="pt-BR"/>
               <a:t>Clique para editar os estilos de texto Mestres</a:t>
             </a:r>
+            <a:endParaRPr lang="pt-BR"/>
           </a:p>
         </p:txBody>
       </p:sp>
@@ -2117,7 +2090,6 @@
           <a:p>
             <a:fld id="{7E84C210-3DD2-4558-AB10-4175520FFDBA}" type="datetimeFigureOut">
               <a:rPr lang="pt-BR" smtClean="0"/>
-              <a:t>26/05/2024</a:t>
             </a:fld>
             <a:endParaRPr lang="pt-BR"/>
           </a:p>
@@ -2159,18 +2131,12 @@
           <a:p>
             <a:fld id="{E8246004-2F9D-42E5-9E5E-B4E8085ED935}" type="slidenum">
               <a:rPr lang="pt-BR" smtClean="0"/>
-              <a:t>‹nº›</a:t>
             </a:fld>
             <a:endParaRPr lang="pt-BR"/>
           </a:p>
         </p:txBody>
       </p:sp>
     </p:spTree>
-    <p:extLst>
-      <p:ext uri="{BB962C8B-B14F-4D97-AF65-F5344CB8AC3E}">
-        <p14:creationId xmlns:p14="http://schemas.microsoft.com/office/powerpoint/2010/main" val="1093890797"/>
-      </p:ext>
-    </p:extLst>
   </p:cSld>
   <p:clrMapOvr>
     <a:masterClrMapping/>
@@ -2202,7 +2168,7 @@
             <a:spLocks noGrp="1"/>
           </p:cNvSpPr>
           <p:nvPr>
-            <p:ph type="title"/>
+            <p:ph type="title" hasCustomPrompt="1"/>
           </p:nvPr>
         </p:nvSpPr>
         <p:spPr>
@@ -2299,7 +2265,7 @@
             <a:spLocks noGrp="1"/>
           </p:cNvSpPr>
           <p:nvPr>
-            <p:ph type="body" sz="half" idx="2"/>
+            <p:ph type="body" sz="half" idx="2" hasCustomPrompt="1"/>
           </p:nvPr>
         </p:nvSpPr>
         <p:spPr>
@@ -2354,6 +2320,7 @@
               <a:rPr lang="pt-BR"/>
               <a:t>Clique para editar os estilos de texto Mestres</a:t>
             </a:r>
+            <a:endParaRPr lang="pt-BR"/>
           </a:p>
         </p:txBody>
       </p:sp>
@@ -2374,7 +2341,6 @@
           <a:p>
             <a:fld id="{7E84C210-3DD2-4558-AB10-4175520FFDBA}" type="datetimeFigureOut">
               <a:rPr lang="pt-BR" smtClean="0"/>
-              <a:t>26/05/2024</a:t>
             </a:fld>
             <a:endParaRPr lang="pt-BR"/>
           </a:p>
@@ -2416,18 +2382,12 @@
           <a:p>
             <a:fld id="{E8246004-2F9D-42E5-9E5E-B4E8085ED935}" type="slidenum">
               <a:rPr lang="pt-BR" smtClean="0"/>
-              <a:t>‹nº›</a:t>
             </a:fld>
             <a:endParaRPr lang="pt-BR"/>
           </a:p>
         </p:txBody>
       </p:sp>
     </p:spTree>
-    <p:extLst>
-      <p:ext uri="{BB962C8B-B14F-4D97-AF65-F5344CB8AC3E}">
-        <p14:creationId xmlns:p14="http://schemas.microsoft.com/office/powerpoint/2010/main" val="4164656336"/>
-      </p:ext>
-    </p:extLst>
   </p:cSld>
   <p:clrMapOvr>
     <a:masterClrMapping/>
@@ -2520,6 +2480,7 @@
               <a:rPr lang="pt-BR"/>
               <a:t>Clique para editar os estilos de texto Mestres</a:t>
             </a:r>
+            <a:endParaRPr lang="pt-BR"/>
           </a:p>
           <a:p>
             <a:pPr lvl="1"/>
@@ -2527,6 +2488,7 @@
               <a:rPr lang="pt-BR"/>
               <a:t>Segundo nível</a:t>
             </a:r>
+            <a:endParaRPr lang="pt-BR"/>
           </a:p>
           <a:p>
             <a:pPr lvl="2"/>
@@ -2534,6 +2496,7 @@
               <a:rPr lang="pt-BR"/>
               <a:t>Terceiro nível</a:t>
             </a:r>
+            <a:endParaRPr lang="pt-BR"/>
           </a:p>
           <a:p>
             <a:pPr lvl="3"/>
@@ -2541,6 +2504,7 @@
               <a:rPr lang="pt-BR"/>
               <a:t>Quarto nível</a:t>
             </a:r>
+            <a:endParaRPr lang="pt-BR"/>
           </a:p>
           <a:p>
             <a:pPr lvl="4"/>
@@ -2587,7 +2551,6 @@
           <a:p>
             <a:fld id="{7E84C210-3DD2-4558-AB10-4175520FFDBA}" type="datetimeFigureOut">
               <a:rPr lang="pt-BR" smtClean="0"/>
-              <a:t>26/05/2024</a:t>
             </a:fld>
             <a:endParaRPr lang="pt-BR"/>
           </a:p>
@@ -2665,32 +2628,26 @@
           <a:p>
             <a:fld id="{E8246004-2F9D-42E5-9E5E-B4E8085ED935}" type="slidenum">
               <a:rPr lang="pt-BR" smtClean="0"/>
-              <a:t>‹nº›</a:t>
             </a:fld>
             <a:endParaRPr lang="pt-BR"/>
           </a:p>
         </p:txBody>
       </p:sp>
     </p:spTree>
-    <p:extLst>
-      <p:ext uri="{BB962C8B-B14F-4D97-AF65-F5344CB8AC3E}">
-        <p14:creationId xmlns:p14="http://schemas.microsoft.com/office/powerpoint/2010/main" val="2536817629"/>
-      </p:ext>
-    </p:extLst>
   </p:cSld>
   <p:clrMap bg1="lt1" tx1="dk1" bg2="lt2" tx2="dk2" accent1="accent1" accent2="accent2" accent3="accent3" accent4="accent4" accent5="accent5" accent6="accent6" hlink="hlink" folHlink="folHlink"/>
   <p:sldLayoutIdLst>
-    <p:sldLayoutId id="2147483673" r:id="rId1"/>
-    <p:sldLayoutId id="2147483674" r:id="rId2"/>
-    <p:sldLayoutId id="2147483675" r:id="rId3"/>
-    <p:sldLayoutId id="2147483676" r:id="rId4"/>
-    <p:sldLayoutId id="2147483677" r:id="rId5"/>
-    <p:sldLayoutId id="2147483678" r:id="rId6"/>
-    <p:sldLayoutId id="2147483679" r:id="rId7"/>
-    <p:sldLayoutId id="2147483680" r:id="rId8"/>
-    <p:sldLayoutId id="2147483681" r:id="rId9"/>
-    <p:sldLayoutId id="2147483682" r:id="rId10"/>
-    <p:sldLayoutId id="2147483683" r:id="rId11"/>
+    <p:sldLayoutId id="2147483649" r:id="rId1"/>
+    <p:sldLayoutId id="2147483650" r:id="rId2"/>
+    <p:sldLayoutId id="2147483651" r:id="rId3"/>
+    <p:sldLayoutId id="2147483652" r:id="rId4"/>
+    <p:sldLayoutId id="2147483653" r:id="rId5"/>
+    <p:sldLayoutId id="2147483654" r:id="rId6"/>
+    <p:sldLayoutId id="2147483655" r:id="rId7"/>
+    <p:sldLayoutId id="2147483656" r:id="rId8"/>
+    <p:sldLayoutId id="2147483657" r:id="rId9"/>
+    <p:sldLayoutId id="2147483658" r:id="rId10"/>
+    <p:sldLayoutId id="2147483659" r:id="rId11"/>
   </p:sldLayoutIdLst>
   <p:txStyles>
     <p:titleStyle>
@@ -3007,20 +2964,14 @@
       </p:grpSpPr>
       <p:pic>
         <p:nvPicPr>
-          <p:cNvPr id="1030" name="Picture 6" descr="um cerebro pintado com o preenchimento em branco em um fundo branco em um estilo simplista">
-            <a:extLst>
-              <a:ext uri="{FF2B5EF4-FFF2-40B4-BE49-F238E27FC236}">
-                <a16:creationId xmlns:a16="http://schemas.microsoft.com/office/drawing/2014/main" id="{B6E3891B-5C89-40CE-BECB-E35D72292844}"/>
-              </a:ext>
-            </a:extLst>
-          </p:cNvPr>
+          <p:cNvPr id="1030" name="Picture 6" descr="um cerebro pintado com o preenchimento em branco em um fundo branco em um estilo simplista"/>
           <p:cNvPicPr>
             <a:picLocks noChangeAspect="1" noChangeArrowheads="1"/>
           </p:cNvPicPr>
           <p:nvPr/>
         </p:nvPicPr>
         <p:blipFill>
-          <a:blip r:embed="rId2">
+          <a:blip r:embed="rId1">
             <a:alphaModFix amt="10000"/>
             <a:extLst>
               <a:ext uri="{28A0092B-C50C-407E-A947-70E740481C1C}">
@@ -3055,13 +3006,7 @@
       </p:pic>
       <p:sp>
         <p:nvSpPr>
-          <p:cNvPr id="4" name="CaixaDeTexto 3">
-            <a:extLst>
-              <a:ext uri="{FF2B5EF4-FFF2-40B4-BE49-F238E27FC236}">
-                <a16:creationId xmlns:a16="http://schemas.microsoft.com/office/drawing/2014/main" id="{B3553D4F-9A6A-4B75-8F4A-15573B473D0B}"/>
-              </a:ext>
-            </a:extLst>
-          </p:cNvPr>
+          <p:cNvPr id="4" name="CaixaDeTexto 3"/>
           <p:cNvSpPr txBox="1"/>
           <p:nvPr/>
         </p:nvSpPr>
@@ -3088,18 +3033,15 @@
               </a:rPr>
               <a:t>APRENDENDO A COMO APRENDER</a:t>
             </a:r>
-          </a:p>
-        </p:txBody>
-      </p:sp>
-      <p:sp>
-        <p:nvSpPr>
-          <p:cNvPr id="5" name="CaixaDeTexto 4">
-            <a:extLst>
-              <a:ext uri="{FF2B5EF4-FFF2-40B4-BE49-F238E27FC236}">
-                <a16:creationId xmlns:a16="http://schemas.microsoft.com/office/drawing/2014/main" id="{EDDA8E2B-A9E1-4755-9CD9-709DC898B374}"/>
-              </a:ext>
-            </a:extLst>
-          </p:cNvPr>
+            <a:endParaRPr lang="pt-BR" sz="5400" dirty="0">
+              <a:latin typeface="Bahnschrift Light Condensed" panose="020B0502040204020203" pitchFamily="34" charset="0"/>
+            </a:endParaRPr>
+          </a:p>
+        </p:txBody>
+      </p:sp>
+      <p:sp>
+        <p:nvSpPr>
+          <p:cNvPr id="5" name="CaixaDeTexto 4"/>
           <p:cNvSpPr txBox="1"/>
           <p:nvPr/>
         </p:nvSpPr>
@@ -3123,24 +3065,19 @@
               <a:rPr lang="pt-BR" sz="2400" b="1" dirty="0"/>
               <a:t>DAVI SANTOS FERREIRA</a:t>
             </a:r>
-          </a:p>
-        </p:txBody>
-      </p:sp>
-      <p:sp>
-        <p:nvSpPr>
-          <p:cNvPr id="9" name="CaixaDeTexto 8">
-            <a:extLst>
-              <a:ext uri="{FF2B5EF4-FFF2-40B4-BE49-F238E27FC236}">
-                <a16:creationId xmlns:a16="http://schemas.microsoft.com/office/drawing/2014/main" id="{9E846B0F-1FB2-443F-83F2-371528628131}"/>
-              </a:ext>
-            </a:extLst>
-          </p:cNvPr>
+            <a:endParaRPr lang="pt-BR" sz="2400" b="1" dirty="0"/>
+          </a:p>
+        </p:txBody>
+      </p:sp>
+      <p:sp>
+        <p:nvSpPr>
+          <p:cNvPr id="9" name="CaixaDeTexto 8"/>
           <p:cNvSpPr txBox="1"/>
           <p:nvPr/>
         </p:nvSpPr>
         <p:spPr>
           <a:xfrm>
-            <a:off x="1595187" y="3853857"/>
+            <a:off x="1595187" y="4389162"/>
             <a:ext cx="3722914" cy="923330"/>
           </a:xfrm>
           <a:prstGeom prst="rect">
@@ -3159,15 +3096,11 @@
               <a:rPr lang="pt-BR" b="1" dirty="0"/>
               <a:t>ENTENDA COMO O SEU CÉREBRO SE COMPORTA PARA APRENDER COM MELHOR QUALIDADE</a:t>
             </a:r>
+            <a:endParaRPr lang="pt-BR" b="1" dirty="0"/>
           </a:p>
         </p:txBody>
       </p:sp>
     </p:spTree>
-    <p:extLst>
-      <p:ext uri="{BB962C8B-B14F-4D97-AF65-F5344CB8AC3E}">
-        <p14:creationId xmlns:p14="http://schemas.microsoft.com/office/powerpoint/2010/main" val="354243558"/>
-      </p:ext>
-    </p:extLst>
   </p:cSld>
   <p:clrMapOvr>
     <a:masterClrMapping/>
@@ -3194,13 +3127,7 @@
       </p:grpSpPr>
       <p:sp>
         <p:nvSpPr>
-          <p:cNvPr id="7" name="CaixaDeTexto 6">
-            <a:extLst>
-              <a:ext uri="{FF2B5EF4-FFF2-40B4-BE49-F238E27FC236}">
-                <a16:creationId xmlns:a16="http://schemas.microsoft.com/office/drawing/2014/main" id="{B3AA3A49-4048-4BC9-8531-BE6DDD9CEDDE}"/>
-              </a:ext>
-            </a:extLst>
-          </p:cNvPr>
+          <p:cNvPr id="7" name="CaixaDeTexto 6"/>
           <p:cNvSpPr txBox="1"/>
           <p:nvPr/>
         </p:nvSpPr>
@@ -3236,13 +3163,7 @@
       </p:sp>
       <p:sp>
         <p:nvSpPr>
-          <p:cNvPr id="5" name="CaixaDeTexto 4">
-            <a:extLst>
-              <a:ext uri="{FF2B5EF4-FFF2-40B4-BE49-F238E27FC236}">
-                <a16:creationId xmlns:a16="http://schemas.microsoft.com/office/drawing/2014/main" id="{468DA992-289C-4AE1-A633-EBE8D9CFD1D2}"/>
-              </a:ext>
-            </a:extLst>
-          </p:cNvPr>
+          <p:cNvPr id="5" name="CaixaDeTexto 4"/>
           <p:cNvSpPr txBox="1"/>
           <p:nvPr/>
         </p:nvSpPr>
@@ -3266,6 +3187,7 @@
               <a:rPr lang="pt-BR" sz="2400" dirty="0"/>
               <a:t>Ensinar é como iluminar uma sala escura. Quando você explica um conceito para outra pessoa, está lançando luz sobre ele, revelando cada detalhe e nuance. O método Feynman é como ter uma lanterna poderosa que ilumina os cantos mais obscuros do seu entendimento. Ao simplificar e explicar um assunto como se estivesse ensinando a uma criança, você fortalece seu próprio domínio sobre o tema.</a:t>
             </a:r>
+            <a:endParaRPr lang="pt-BR" sz="2400" dirty="0"/>
           </a:p>
           <a:p>
             <a:endParaRPr lang="pt-BR" sz="2400" dirty="0"/>
@@ -3275,18 +3197,13 @@
               <a:rPr lang="pt-BR" sz="2400" dirty="0"/>
               <a:t>O método Feynman não apenas ajuda a solidificar seu conhecimento, mas também revela lacunas em sua compreensão. </a:t>
             </a:r>
-          </a:p>
-        </p:txBody>
-      </p:sp>
-      <p:sp>
-        <p:nvSpPr>
-          <p:cNvPr id="11" name="CaixaDeTexto 10">
-            <a:extLst>
-              <a:ext uri="{FF2B5EF4-FFF2-40B4-BE49-F238E27FC236}">
-                <a16:creationId xmlns:a16="http://schemas.microsoft.com/office/drawing/2014/main" id="{D8376DB5-9D2A-401B-B912-632CDA7814D4}"/>
-              </a:ext>
-            </a:extLst>
-          </p:cNvPr>
+            <a:endParaRPr lang="pt-BR" sz="2400" dirty="0"/>
+          </a:p>
+        </p:txBody>
+      </p:sp>
+      <p:sp>
+        <p:nvSpPr>
+          <p:cNvPr id="11" name="CaixaDeTexto 10"/>
           <p:cNvSpPr txBox="1"/>
           <p:nvPr/>
         </p:nvSpPr>
@@ -3310,15 +3227,11 @@
               <a:rPr lang="pt-BR" sz="2400" dirty="0"/>
               <a:t>Ao dar pausas regulares para descansar e recarregar, você mantém sua mente fresca e pronta para absorver mais conhecimento.</a:t>
             </a:r>
+            <a:endParaRPr lang="pt-BR" sz="2400" dirty="0"/>
           </a:p>
         </p:txBody>
       </p:sp>
     </p:spTree>
-    <p:extLst>
-      <p:ext uri="{BB962C8B-B14F-4D97-AF65-F5344CB8AC3E}">
-        <p14:creationId xmlns:p14="http://schemas.microsoft.com/office/powerpoint/2010/main" val="1238641586"/>
-      </p:ext>
-    </p:extLst>
   </p:cSld>
   <p:clrMapOvr>
     <a:masterClrMapping/>
@@ -3345,13 +3258,7 @@
       </p:grpSpPr>
       <p:sp>
         <p:nvSpPr>
-          <p:cNvPr id="7" name="CaixaDeTexto 6">
-            <a:extLst>
-              <a:ext uri="{FF2B5EF4-FFF2-40B4-BE49-F238E27FC236}">
-                <a16:creationId xmlns:a16="http://schemas.microsoft.com/office/drawing/2014/main" id="{B3AA3A49-4048-4BC9-8531-BE6DDD9CEDDE}"/>
-              </a:ext>
-            </a:extLst>
-          </p:cNvPr>
+          <p:cNvPr id="7" name="CaixaDeTexto 6"/>
           <p:cNvSpPr txBox="1"/>
           <p:nvPr/>
         </p:nvSpPr>
@@ -3387,13 +3294,7 @@
       </p:sp>
       <p:sp>
         <p:nvSpPr>
-          <p:cNvPr id="5" name="CaixaDeTexto 4">
-            <a:extLst>
-              <a:ext uri="{FF2B5EF4-FFF2-40B4-BE49-F238E27FC236}">
-                <a16:creationId xmlns:a16="http://schemas.microsoft.com/office/drawing/2014/main" id="{468DA992-289C-4AE1-A633-EBE8D9CFD1D2}"/>
-              </a:ext>
-            </a:extLst>
-          </p:cNvPr>
+          <p:cNvPr id="5" name="CaixaDeTexto 4"/>
           <p:cNvSpPr txBox="1"/>
           <p:nvPr/>
         </p:nvSpPr>
@@ -3417,6 +3318,7 @@
               <a:rPr lang="pt-BR" sz="2400" dirty="0"/>
               <a:t>A mente é como uma teia de aranha, cheia de conexões intrincadas e emaranhadas. Os mapas mentais são como diagramas claros que desenrolam essa teia, revelando padrões e relações entre os conceitos. Ao criar um mapa mental, você está transformando uma bagunça confusa em uma obra de arte organizada, onde cada linha e nó representa uma ideia clara e distinta.</a:t>
             </a:r>
+            <a:endParaRPr lang="pt-BR" sz="2400" dirty="0"/>
           </a:p>
           <a:p>
             <a:endParaRPr lang="pt-BR" sz="2400" dirty="0"/>
@@ -3426,18 +3328,13 @@
               <a:rPr lang="pt-BR" sz="2400" dirty="0"/>
               <a:t>Os mapas mentais não apenas ajudam a organizar suas ideias, mas também estimulam a criatividade. </a:t>
             </a:r>
-          </a:p>
-        </p:txBody>
-      </p:sp>
-      <p:sp>
-        <p:nvSpPr>
-          <p:cNvPr id="8" name="CaixaDeTexto 7">
-            <a:extLst>
-              <a:ext uri="{FF2B5EF4-FFF2-40B4-BE49-F238E27FC236}">
-                <a16:creationId xmlns:a16="http://schemas.microsoft.com/office/drawing/2014/main" id="{2ACAC2C1-9345-43D0-A549-081BCF6AFF59}"/>
-              </a:ext>
-            </a:extLst>
-          </p:cNvPr>
+            <a:endParaRPr lang="pt-BR" sz="2400" dirty="0"/>
+          </a:p>
+        </p:txBody>
+      </p:sp>
+      <p:sp>
+        <p:nvSpPr>
+          <p:cNvPr id="8" name="CaixaDeTexto 7"/>
           <p:cNvSpPr txBox="1"/>
           <p:nvPr/>
         </p:nvSpPr>
@@ -3461,15 +3358,11 @@
               <a:rPr lang="pt-BR" sz="2400" dirty="0"/>
               <a:t>Quando você se depara com uma pergunta que não consegue responder, é como descobrir uma sala escondida na casa do conhecimento - um convite para explorar e aprender mais.</a:t>
             </a:r>
+            <a:endParaRPr lang="pt-BR" sz="2400" dirty="0"/>
           </a:p>
         </p:txBody>
       </p:sp>
     </p:spTree>
-    <p:extLst>
-      <p:ext uri="{BB962C8B-B14F-4D97-AF65-F5344CB8AC3E}">
-        <p14:creationId xmlns:p14="http://schemas.microsoft.com/office/powerpoint/2010/main" val="1425256395"/>
-      </p:ext>
-    </p:extLst>
   </p:cSld>
   <p:clrMapOvr>
     <a:masterClrMapping/>
@@ -3496,13 +3389,7 @@
       </p:grpSpPr>
       <p:sp>
         <p:nvSpPr>
-          <p:cNvPr id="8" name="CaixaDeTexto 7">
-            <a:extLst>
-              <a:ext uri="{FF2B5EF4-FFF2-40B4-BE49-F238E27FC236}">
-                <a16:creationId xmlns:a16="http://schemas.microsoft.com/office/drawing/2014/main" id="{2ACAC2C1-9345-43D0-A549-081BCF6AFF59}"/>
-              </a:ext>
-            </a:extLst>
-          </p:cNvPr>
+          <p:cNvPr id="8" name="CaixaDeTexto 7"/>
           <p:cNvSpPr txBox="1"/>
           <p:nvPr/>
         </p:nvSpPr>
@@ -3526,15 +3413,11 @@
               <a:rPr lang="pt-BR" sz="2400" dirty="0"/>
               <a:t>Ao conectar conceitos aparentemente desconexos, você cria novas sinapses em seu cérebro, abrindo caminho para insights e descobertas surpreendentes.</a:t>
             </a:r>
+            <a:endParaRPr lang="pt-BR" sz="2400" dirty="0"/>
           </a:p>
         </p:txBody>
       </p:sp>
     </p:spTree>
-    <p:extLst>
-      <p:ext uri="{BB962C8B-B14F-4D97-AF65-F5344CB8AC3E}">
-        <p14:creationId xmlns:p14="http://schemas.microsoft.com/office/powerpoint/2010/main" val="2959943591"/>
-      </p:ext>
-    </p:extLst>
   </p:cSld>
   <p:clrMapOvr>
     <a:masterClrMapping/>
@@ -3561,13 +3444,7 @@
       </p:grpSpPr>
       <p:sp>
         <p:nvSpPr>
-          <p:cNvPr id="4" name="CaixaDeTexto 3">
-            <a:extLst>
-              <a:ext uri="{FF2B5EF4-FFF2-40B4-BE49-F238E27FC236}">
-                <a16:creationId xmlns:a16="http://schemas.microsoft.com/office/drawing/2014/main" id="{7213D272-E91B-4CD2-B96D-C7E3C005FC7D}"/>
-              </a:ext>
-            </a:extLst>
-          </p:cNvPr>
+          <p:cNvPr id="4" name="CaixaDeTexto 3"/>
           <p:cNvSpPr txBox="1"/>
           <p:nvPr/>
         </p:nvSpPr>
@@ -3595,15 +3472,14 @@
               </a:rPr>
               <a:t>Melhoria Contínua</a:t>
             </a:r>
+            <a:endParaRPr lang="pt-BR" sz="4800" i="0" dirty="0">
+              <a:effectLst/>
+              <a:latin typeface="Bahnschrift Light Condensed" panose="020B0502040204020203" pitchFamily="34" charset="0"/>
+            </a:endParaRPr>
           </a:p>
         </p:txBody>
       </p:sp>
     </p:spTree>
-    <p:extLst>
-      <p:ext uri="{BB962C8B-B14F-4D97-AF65-F5344CB8AC3E}">
-        <p14:creationId xmlns:p14="http://schemas.microsoft.com/office/powerpoint/2010/main" val="142165473"/>
-      </p:ext>
-    </p:extLst>
   </p:cSld>
   <p:clrMapOvr>
     <a:masterClrMapping/>
@@ -3630,13 +3506,7 @@
       </p:grpSpPr>
       <p:sp>
         <p:nvSpPr>
-          <p:cNvPr id="7" name="CaixaDeTexto 6">
-            <a:extLst>
-              <a:ext uri="{FF2B5EF4-FFF2-40B4-BE49-F238E27FC236}">
-                <a16:creationId xmlns:a16="http://schemas.microsoft.com/office/drawing/2014/main" id="{B3AA3A49-4048-4BC9-8531-BE6DDD9CEDDE}"/>
-              </a:ext>
-            </a:extLst>
-          </p:cNvPr>
+          <p:cNvPr id="7" name="CaixaDeTexto 6"/>
           <p:cNvSpPr txBox="1"/>
           <p:nvPr/>
         </p:nvSpPr>
@@ -3663,18 +3533,15 @@
               </a:rPr>
               <a:t>Prática Deliberada</a:t>
             </a:r>
-          </a:p>
-        </p:txBody>
-      </p:sp>
-      <p:sp>
-        <p:nvSpPr>
-          <p:cNvPr id="5" name="CaixaDeTexto 4">
-            <a:extLst>
-              <a:ext uri="{FF2B5EF4-FFF2-40B4-BE49-F238E27FC236}">
-                <a16:creationId xmlns:a16="http://schemas.microsoft.com/office/drawing/2014/main" id="{468DA992-289C-4AE1-A633-EBE8D9CFD1D2}"/>
-              </a:ext>
-            </a:extLst>
-          </p:cNvPr>
+            <a:endParaRPr lang="pt-BR" sz="4000" b="1" i="0" dirty="0">
+              <a:effectLst/>
+            </a:endParaRPr>
+          </a:p>
+        </p:txBody>
+      </p:sp>
+      <p:sp>
+        <p:nvSpPr>
+          <p:cNvPr id="5" name="CaixaDeTexto 4"/>
           <p:cNvSpPr txBox="1"/>
           <p:nvPr/>
         </p:nvSpPr>
@@ -3698,6 +3565,7 @@
               <a:rPr lang="pt-BR" sz="2400" dirty="0"/>
               <a:t>Aprimorar-se é como esculpir uma estátua de mármore. Cada golpe de cinzel é como um ato de prática deliberada, refinando seus talentos e habilidades. Ao invés de apenas repetir os mesmos movimentos, a prática deliberada envolve um esforço consciente para identificar áreas de melhoria e trabalhar nelas especificamente. É como se você estivesse lapidando uma obra-prima, esculpindo cada detalhe até que ela brilhe com perfeição.</a:t>
             </a:r>
+            <a:endParaRPr lang="pt-BR" sz="2400" dirty="0"/>
           </a:p>
           <a:p>
             <a:endParaRPr lang="pt-BR" sz="2400" dirty="0"/>
@@ -3707,15 +3575,11 @@
               <a:rPr lang="pt-BR" sz="2400" dirty="0"/>
               <a:t>A prática deliberada não apenas fortalece suas habilidades, mas também amplia seus limites. Ao desafiar-se com tarefas cada vez mais difíceis, você expande seu domínio sobre o assunto, alcançando níveis de excelência que antes pareciam inatingíveis.</a:t>
             </a:r>
+            <a:endParaRPr lang="pt-BR" sz="2400" dirty="0"/>
           </a:p>
         </p:txBody>
       </p:sp>
     </p:spTree>
-    <p:extLst>
-      <p:ext uri="{BB962C8B-B14F-4D97-AF65-F5344CB8AC3E}">
-        <p14:creationId xmlns:p14="http://schemas.microsoft.com/office/powerpoint/2010/main" val="3307999047"/>
-      </p:ext>
-    </p:extLst>
   </p:cSld>
   <p:clrMapOvr>
     <a:masterClrMapping/>
@@ -3742,13 +3606,7 @@
       </p:grpSpPr>
       <p:sp>
         <p:nvSpPr>
-          <p:cNvPr id="7" name="CaixaDeTexto 6">
-            <a:extLst>
-              <a:ext uri="{FF2B5EF4-FFF2-40B4-BE49-F238E27FC236}">
-                <a16:creationId xmlns:a16="http://schemas.microsoft.com/office/drawing/2014/main" id="{B3AA3A49-4048-4BC9-8531-BE6DDD9CEDDE}"/>
-              </a:ext>
-            </a:extLst>
-          </p:cNvPr>
+          <p:cNvPr id="7" name="CaixaDeTexto 6"/>
           <p:cNvSpPr txBox="1"/>
           <p:nvPr/>
         </p:nvSpPr>
@@ -3776,18 +3634,16 @@
               </a:rPr>
               <a:t>Revisão Espacial</a:t>
             </a:r>
-          </a:p>
-        </p:txBody>
-      </p:sp>
-      <p:sp>
-        <p:nvSpPr>
-          <p:cNvPr id="5" name="CaixaDeTexto 4">
-            <a:extLst>
-              <a:ext uri="{FF2B5EF4-FFF2-40B4-BE49-F238E27FC236}">
-                <a16:creationId xmlns:a16="http://schemas.microsoft.com/office/drawing/2014/main" id="{468DA992-289C-4AE1-A633-EBE8D9CFD1D2}"/>
-              </a:ext>
-            </a:extLst>
-          </p:cNvPr>
+            <a:endParaRPr lang="pt-BR" sz="3200" b="1" i="0" dirty="0">
+              <a:effectLst/>
+              <a:latin typeface="+mj-lt"/>
+            </a:endParaRPr>
+          </a:p>
+        </p:txBody>
+      </p:sp>
+      <p:sp>
+        <p:nvSpPr>
+          <p:cNvPr id="5" name="CaixaDeTexto 4"/>
           <p:cNvSpPr txBox="1"/>
           <p:nvPr/>
         </p:nvSpPr>
@@ -3811,6 +3667,7 @@
               <a:rPr lang="pt-BR" sz="2400" dirty="0"/>
               <a:t>Memorizar é como guardar tesouros em um baú. Se você simplesmente jogar tudo lá dentro e fechar a tampa, é provável que se esqueça de onde guardou cada coisa. A revisão espacial é como arrumar os tesouros em prateleiras ordenadas, facilitando a recuperação quando necessário. Ao distribuir sua revisão ao longo do tempo, você reforça suas memórias e constrói um mapa mental claro do conhecimento.</a:t>
             </a:r>
+            <a:endParaRPr lang="pt-BR" sz="2400" dirty="0"/>
           </a:p>
           <a:p>
             <a:endParaRPr lang="pt-BR" sz="2400" dirty="0"/>
@@ -3820,15 +3677,11 @@
               <a:rPr lang="pt-BR" sz="2400" dirty="0"/>
               <a:t>A revisão espacial não apenas ajuda a reter informações por mais tempo, mas também economiza tempo e esforço no longo prazo. Ao invés de se debater tentando lembrar algo de última hora, você pode acessar facilmente o que aprendeu, como se estivesse consultando um catálogo bem organizado.</a:t>
             </a:r>
+            <a:endParaRPr lang="pt-BR" sz="2400" dirty="0"/>
           </a:p>
         </p:txBody>
       </p:sp>
     </p:spTree>
-    <p:extLst>
-      <p:ext uri="{BB962C8B-B14F-4D97-AF65-F5344CB8AC3E}">
-        <p14:creationId xmlns:p14="http://schemas.microsoft.com/office/powerpoint/2010/main" val="3474625914"/>
-      </p:ext>
-    </p:extLst>
   </p:cSld>
   <p:clrMapOvr>
     <a:masterClrMapping/>
@@ -3855,13 +3708,7 @@
       </p:grpSpPr>
       <p:sp>
         <p:nvSpPr>
-          <p:cNvPr id="7" name="CaixaDeTexto 6">
-            <a:extLst>
-              <a:ext uri="{FF2B5EF4-FFF2-40B4-BE49-F238E27FC236}">
-                <a16:creationId xmlns:a16="http://schemas.microsoft.com/office/drawing/2014/main" id="{B3AA3A49-4048-4BC9-8531-BE6DDD9CEDDE}"/>
-              </a:ext>
-            </a:extLst>
-          </p:cNvPr>
+          <p:cNvPr id="7" name="CaixaDeTexto 6"/>
           <p:cNvSpPr txBox="1"/>
           <p:nvPr/>
         </p:nvSpPr>
@@ -3889,18 +3736,16 @@
               </a:rPr>
               <a:t>Utilização de Recursos Diversos</a:t>
             </a:r>
-          </a:p>
-        </p:txBody>
-      </p:sp>
-      <p:sp>
-        <p:nvSpPr>
-          <p:cNvPr id="5" name="CaixaDeTexto 4">
-            <a:extLst>
-              <a:ext uri="{FF2B5EF4-FFF2-40B4-BE49-F238E27FC236}">
-                <a16:creationId xmlns:a16="http://schemas.microsoft.com/office/drawing/2014/main" id="{468DA992-289C-4AE1-A633-EBE8D9CFD1D2}"/>
-              </a:ext>
-            </a:extLst>
-          </p:cNvPr>
+            <a:endParaRPr lang="pt-BR" sz="3200" b="1" i="0" dirty="0">
+              <a:effectLst/>
+              <a:latin typeface="+mj-lt"/>
+            </a:endParaRPr>
+          </a:p>
+        </p:txBody>
+      </p:sp>
+      <p:sp>
+        <p:nvSpPr>
+          <p:cNvPr id="5" name="CaixaDeTexto 4"/>
           <p:cNvSpPr txBox="1"/>
           <p:nvPr/>
         </p:nvSpPr>
@@ -3924,6 +3769,7 @@
               <a:rPr lang="pt-BR" sz="2400" dirty="0"/>
               <a:t>Explorar é como navegar por um vasto oceano em busca de tesouros escondidos. Existem inúmeras ilhas de conhecimento esperando para serem descobertas, e cada recurso que você utiliza é como um mapa que aponta o caminho para uma delas. Livros, vídeos, podcasts, aplicativos - cada um oferece uma perspectiva única e valiosa sobre o assunto, enriquecendo sua compreensão e ampliando seus horizontes.</a:t>
             </a:r>
+            <a:endParaRPr lang="pt-BR" sz="2400" dirty="0"/>
           </a:p>
           <a:p>
             <a:endParaRPr lang="pt-BR" sz="2400" dirty="0"/>
@@ -3933,15 +3779,11 @@
               <a:rPr lang="pt-BR" sz="2400" dirty="0"/>
               <a:t>A utilização de recursos diversos não apenas torna o aprendizado mais interessante, mas também mais eficaz. Ao expor-se a diferentes formas de apresentação e interpretação do mesmo conteúdo, você fortalece sua compreensão e consolida seu conhecimento de maneiras que jamais imaginou.</a:t>
             </a:r>
+            <a:endParaRPr lang="pt-BR" sz="2400" dirty="0"/>
           </a:p>
         </p:txBody>
       </p:sp>
     </p:spTree>
-    <p:extLst>
-      <p:ext uri="{BB962C8B-B14F-4D97-AF65-F5344CB8AC3E}">
-        <p14:creationId xmlns:p14="http://schemas.microsoft.com/office/powerpoint/2010/main" val="1043234387"/>
-      </p:ext>
-    </p:extLst>
   </p:cSld>
   <p:clrMapOvr>
     <a:masterClrMapping/>
@@ -3968,13 +3810,7 @@
       </p:grpSpPr>
       <p:sp>
         <p:nvSpPr>
-          <p:cNvPr id="4" name="CaixaDeTexto 3">
-            <a:extLst>
-              <a:ext uri="{FF2B5EF4-FFF2-40B4-BE49-F238E27FC236}">
-                <a16:creationId xmlns:a16="http://schemas.microsoft.com/office/drawing/2014/main" id="{7213D272-E91B-4CD2-B96D-C7E3C005FC7D}"/>
-              </a:ext>
-            </a:extLst>
-          </p:cNvPr>
+          <p:cNvPr id="4" name="CaixaDeTexto 3"/>
           <p:cNvSpPr txBox="1"/>
           <p:nvPr/>
         </p:nvSpPr>
@@ -4002,15 +3838,14 @@
               </a:rPr>
               <a:t>Ferramentas e Tecnologias</a:t>
             </a:r>
+            <a:endParaRPr lang="pt-BR" sz="4800" i="0" dirty="0">
+              <a:effectLst/>
+              <a:latin typeface="Bahnschrift Light Condensed" panose="020B0502040204020203" pitchFamily="34" charset="0"/>
+            </a:endParaRPr>
           </a:p>
         </p:txBody>
       </p:sp>
     </p:spTree>
-    <p:extLst>
-      <p:ext uri="{BB962C8B-B14F-4D97-AF65-F5344CB8AC3E}">
-        <p14:creationId xmlns:p14="http://schemas.microsoft.com/office/powerpoint/2010/main" val="2671474581"/>
-      </p:ext>
-    </p:extLst>
   </p:cSld>
   <p:clrMapOvr>
     <a:masterClrMapping/>
@@ -4037,13 +3872,7 @@
       </p:grpSpPr>
       <p:sp>
         <p:nvSpPr>
-          <p:cNvPr id="7" name="CaixaDeTexto 6">
-            <a:extLst>
-              <a:ext uri="{FF2B5EF4-FFF2-40B4-BE49-F238E27FC236}">
-                <a16:creationId xmlns:a16="http://schemas.microsoft.com/office/drawing/2014/main" id="{B3AA3A49-4048-4BC9-8531-BE6DDD9CEDDE}"/>
-              </a:ext>
-            </a:extLst>
-          </p:cNvPr>
+          <p:cNvPr id="7" name="CaixaDeTexto 6"/>
           <p:cNvSpPr txBox="1"/>
           <p:nvPr/>
         </p:nvSpPr>
@@ -4071,18 +3900,16 @@
               </a:rPr>
               <a:t>Organização e tecnologia</a:t>
             </a:r>
-          </a:p>
-        </p:txBody>
-      </p:sp>
-      <p:sp>
-        <p:nvSpPr>
-          <p:cNvPr id="5" name="CaixaDeTexto 4">
-            <a:extLst>
-              <a:ext uri="{FF2B5EF4-FFF2-40B4-BE49-F238E27FC236}">
-                <a16:creationId xmlns:a16="http://schemas.microsoft.com/office/drawing/2014/main" id="{468DA992-289C-4AE1-A633-EBE8D9CFD1D2}"/>
-              </a:ext>
-            </a:extLst>
-          </p:cNvPr>
+            <a:endParaRPr lang="pt-BR" sz="4000" b="1" i="0" dirty="0">
+              <a:effectLst/>
+              <a:latin typeface="ui-sans-serif"/>
+            </a:endParaRPr>
+          </a:p>
+        </p:txBody>
+      </p:sp>
+      <p:sp>
+        <p:nvSpPr>
+          <p:cNvPr id="5" name="CaixaDeTexto 4"/>
           <p:cNvSpPr txBox="1"/>
           <p:nvPr/>
         </p:nvSpPr>
@@ -4122,6 +3949,7 @@
               <a:rPr lang="pt-BR" sz="2400" dirty="0"/>
               <a:t>, são como os maestros dessa orquestra, ajudando você a coordenar suas atividades e manter tudo sob controle. Eles permitem que você divida grandes projetos em tarefas menores e mais gerenciáveis, acompanhando seu progresso de maneira clara e eficiente.</a:t>
             </a:r>
+            <a:endParaRPr lang="pt-BR" sz="2400" dirty="0"/>
           </a:p>
           <a:p>
             <a:endParaRPr lang="pt-BR" sz="2400" dirty="0"/>
@@ -4131,15 +3959,11 @@
               <a:rPr lang="pt-BR" sz="2400" dirty="0"/>
               <a:t>Com esses aplicativos, sua produtividade pode aumentar significativamente, pois você não perde tempo tentando lembrar o que precisa ser feito ou procurando informações. Tudo está acessível e bem estruturado, como uma partitura que guia sua sinfonia diária.</a:t>
             </a:r>
+            <a:endParaRPr lang="pt-BR" sz="2400" dirty="0"/>
           </a:p>
         </p:txBody>
       </p:sp>
     </p:spTree>
-    <p:extLst>
-      <p:ext uri="{BB962C8B-B14F-4D97-AF65-F5344CB8AC3E}">
-        <p14:creationId xmlns:p14="http://schemas.microsoft.com/office/powerpoint/2010/main" val="1250608841"/>
-      </p:ext>
-    </p:extLst>
   </p:cSld>
   <p:clrMapOvr>
     <a:masterClrMapping/>
@@ -4166,13 +3990,7 @@
       </p:grpSpPr>
       <p:sp>
         <p:nvSpPr>
-          <p:cNvPr id="7" name="CaixaDeTexto 6">
-            <a:extLst>
-              <a:ext uri="{FF2B5EF4-FFF2-40B4-BE49-F238E27FC236}">
-                <a16:creationId xmlns:a16="http://schemas.microsoft.com/office/drawing/2014/main" id="{B3AA3A49-4048-4BC9-8531-BE6DDD9CEDDE}"/>
-              </a:ext>
-            </a:extLst>
-          </p:cNvPr>
+          <p:cNvPr id="7" name="CaixaDeTexto 6"/>
           <p:cNvSpPr txBox="1"/>
           <p:nvPr/>
         </p:nvSpPr>
@@ -4200,18 +4018,16 @@
               </a:rPr>
               <a:t>Plataformas de Aprendizado Online</a:t>
             </a:r>
-          </a:p>
-        </p:txBody>
-      </p:sp>
-      <p:sp>
-        <p:nvSpPr>
-          <p:cNvPr id="5" name="CaixaDeTexto 4">
-            <a:extLst>
-              <a:ext uri="{FF2B5EF4-FFF2-40B4-BE49-F238E27FC236}">
-                <a16:creationId xmlns:a16="http://schemas.microsoft.com/office/drawing/2014/main" id="{468DA992-289C-4AE1-A633-EBE8D9CFD1D2}"/>
-              </a:ext>
-            </a:extLst>
-          </p:cNvPr>
+            <a:endParaRPr lang="pt-BR" sz="3200" b="1" i="0" dirty="0">
+              <a:effectLst/>
+              <a:latin typeface="+mj-lt"/>
+            </a:endParaRPr>
+          </a:p>
+        </p:txBody>
+      </p:sp>
+      <p:sp>
+        <p:nvSpPr>
+          <p:cNvPr id="5" name="CaixaDeTexto 4"/>
           <p:cNvSpPr txBox="1"/>
           <p:nvPr/>
         </p:nvSpPr>
@@ -4259,6 +4075,7 @@
               <a:rPr lang="pt-BR" sz="2400" dirty="0"/>
               <a:t> oferecem cursos sobre praticamente qualquer assunto que você possa imaginar. É como ter acesso a uma sala de aula global, onde os melhores professores do mundo compartilham seus conhecimentos com você.</a:t>
             </a:r>
+            <a:endParaRPr lang="pt-BR" sz="2400" dirty="0"/>
           </a:p>
           <a:p>
             <a:endParaRPr lang="pt-BR" sz="2400" dirty="0"/>
@@ -4268,15 +4085,11 @@
               <a:rPr lang="pt-BR" sz="2400" dirty="0"/>
               <a:t>Essas plataformas não apenas disponibilizam uma vasta quantidade de conteúdo, mas também permitem que você aprenda no seu próprio ritmo, adaptando o estudo à sua rotina. Você pode revisitar as aulas quantas vezes quiser, garantindo que compreenda completamente o material antes de avançar.</a:t>
             </a:r>
+            <a:endParaRPr lang="pt-BR" sz="2400" dirty="0"/>
           </a:p>
         </p:txBody>
       </p:sp>
     </p:spTree>
-    <p:extLst>
-      <p:ext uri="{BB962C8B-B14F-4D97-AF65-F5344CB8AC3E}">
-        <p14:creationId xmlns:p14="http://schemas.microsoft.com/office/powerpoint/2010/main" val="2459975638"/>
-      </p:ext>
-    </p:extLst>
   </p:cSld>
   <p:clrMapOvr>
     <a:masterClrMapping/>
@@ -4303,13 +4116,7 @@
       </p:grpSpPr>
       <p:sp>
         <p:nvSpPr>
-          <p:cNvPr id="4" name="CaixaDeTexto 3">
-            <a:extLst>
-              <a:ext uri="{FF2B5EF4-FFF2-40B4-BE49-F238E27FC236}">
-                <a16:creationId xmlns:a16="http://schemas.microsoft.com/office/drawing/2014/main" id="{7213D272-E91B-4CD2-B96D-C7E3C005FC7D}"/>
-              </a:ext>
-            </a:extLst>
-          </p:cNvPr>
+          <p:cNvPr id="4" name="CaixaDeTexto 3"/>
           <p:cNvSpPr txBox="1"/>
           <p:nvPr/>
         </p:nvSpPr>
@@ -4337,15 +4144,14 @@
               </a:rPr>
               <a:t>Introdução ao Aprendizado Eficiente</a:t>
             </a:r>
+            <a:endParaRPr lang="pt-BR" sz="4800" i="0" dirty="0">
+              <a:effectLst/>
+              <a:latin typeface="Bahnschrift Light Condensed" panose="020B0502040204020203" pitchFamily="34" charset="0"/>
+            </a:endParaRPr>
           </a:p>
         </p:txBody>
       </p:sp>
     </p:spTree>
-    <p:extLst>
-      <p:ext uri="{BB962C8B-B14F-4D97-AF65-F5344CB8AC3E}">
-        <p14:creationId xmlns:p14="http://schemas.microsoft.com/office/powerpoint/2010/main" val="1693433438"/>
-      </p:ext>
-    </p:extLst>
   </p:cSld>
   <p:clrMapOvr>
     <a:masterClrMapping/>
@@ -4372,13 +4178,7 @@
       </p:grpSpPr>
       <p:sp>
         <p:nvSpPr>
-          <p:cNvPr id="4" name="CaixaDeTexto 3">
-            <a:extLst>
-              <a:ext uri="{FF2B5EF4-FFF2-40B4-BE49-F238E27FC236}">
-                <a16:creationId xmlns:a16="http://schemas.microsoft.com/office/drawing/2014/main" id="{7213D272-E91B-4CD2-B96D-C7E3C005FC7D}"/>
-              </a:ext>
-            </a:extLst>
-          </p:cNvPr>
+          <p:cNvPr id="4" name="CaixaDeTexto 3"/>
           <p:cNvSpPr txBox="1"/>
           <p:nvPr/>
         </p:nvSpPr>
@@ -4406,15 +4206,14 @@
               </a:rPr>
               <a:t>Estratégias para Manter a Motivação</a:t>
             </a:r>
+            <a:endParaRPr lang="pt-BR" sz="4800" i="0" dirty="0">
+              <a:effectLst/>
+              <a:latin typeface="Bahnschrift Light Condensed" panose="020B0502040204020203" pitchFamily="34" charset="0"/>
+            </a:endParaRPr>
           </a:p>
         </p:txBody>
       </p:sp>
     </p:spTree>
-    <p:extLst>
-      <p:ext uri="{BB962C8B-B14F-4D97-AF65-F5344CB8AC3E}">
-        <p14:creationId xmlns:p14="http://schemas.microsoft.com/office/powerpoint/2010/main" val="1493349389"/>
-      </p:ext>
-    </p:extLst>
   </p:cSld>
   <p:clrMapOvr>
     <a:masterClrMapping/>
@@ -4441,13 +4240,7 @@
       </p:grpSpPr>
       <p:sp>
         <p:nvSpPr>
-          <p:cNvPr id="7" name="CaixaDeTexto 6">
-            <a:extLst>
-              <a:ext uri="{FF2B5EF4-FFF2-40B4-BE49-F238E27FC236}">
-                <a16:creationId xmlns:a16="http://schemas.microsoft.com/office/drawing/2014/main" id="{B3AA3A49-4048-4BC9-8531-BE6DDD9CEDDE}"/>
-              </a:ext>
-            </a:extLst>
-          </p:cNvPr>
+          <p:cNvPr id="7" name="CaixaDeTexto 6"/>
           <p:cNvSpPr txBox="1"/>
           <p:nvPr/>
         </p:nvSpPr>
@@ -4475,18 +4268,16 @@
               </a:rPr>
               <a:t>Metas Claras</a:t>
             </a:r>
-          </a:p>
-        </p:txBody>
-      </p:sp>
-      <p:sp>
-        <p:nvSpPr>
-          <p:cNvPr id="5" name="CaixaDeTexto 4">
-            <a:extLst>
-              <a:ext uri="{FF2B5EF4-FFF2-40B4-BE49-F238E27FC236}">
-                <a16:creationId xmlns:a16="http://schemas.microsoft.com/office/drawing/2014/main" id="{468DA992-289C-4AE1-A633-EBE8D9CFD1D2}"/>
-              </a:ext>
-            </a:extLst>
-          </p:cNvPr>
+            <a:endParaRPr lang="pt-BR" sz="4000" b="1" i="0" dirty="0">
+              <a:effectLst/>
+              <a:latin typeface="ui-sans-serif"/>
+            </a:endParaRPr>
+          </a:p>
+        </p:txBody>
+      </p:sp>
+      <p:sp>
+        <p:nvSpPr>
+          <p:cNvPr id="5" name="CaixaDeTexto 4"/>
           <p:cNvSpPr txBox="1"/>
           <p:nvPr/>
         </p:nvSpPr>
@@ -4510,6 +4301,7 @@
               <a:rPr lang="pt-BR" sz="2400" dirty="0"/>
               <a:t>Definir metas claras é como traçar um mapa para uma viagem. Sem um destino em mente, você pode acabar andando em círculos. Metas específicas e alcançáveis servem como marcos que guiam sua jornada de aprendizado, ajudando você a focar e a medir seu progresso. É como saber exatamente qual montanha você quer escalar e quais trilhas seguir para chegar ao topo.</a:t>
             </a:r>
+            <a:endParaRPr lang="pt-BR" sz="2400" dirty="0"/>
           </a:p>
           <a:p>
             <a:endParaRPr lang="pt-BR" sz="2400" dirty="0"/>
@@ -4519,15 +4311,11 @@
               <a:rPr lang="pt-BR" sz="2400" dirty="0"/>
               <a:t>Ter metas claras não só proporciona um senso de direção, mas também motiva você a continuar, pois cada meta alcançada é uma vitória que aproxima você do objetivo final. Essas vitórias mantêm o entusiasmo e o impulso para seguir em frente.</a:t>
             </a:r>
+            <a:endParaRPr lang="pt-BR" sz="2400" dirty="0"/>
           </a:p>
         </p:txBody>
       </p:sp>
     </p:spTree>
-    <p:extLst>
-      <p:ext uri="{BB962C8B-B14F-4D97-AF65-F5344CB8AC3E}">
-        <p14:creationId xmlns:p14="http://schemas.microsoft.com/office/powerpoint/2010/main" val="1222824778"/>
-      </p:ext>
-    </p:extLst>
   </p:cSld>
   <p:clrMapOvr>
     <a:masterClrMapping/>
@@ -4554,13 +4342,7 @@
       </p:grpSpPr>
       <p:sp>
         <p:nvSpPr>
-          <p:cNvPr id="7" name="CaixaDeTexto 6">
-            <a:extLst>
-              <a:ext uri="{FF2B5EF4-FFF2-40B4-BE49-F238E27FC236}">
-                <a16:creationId xmlns:a16="http://schemas.microsoft.com/office/drawing/2014/main" id="{B3AA3A49-4048-4BC9-8531-BE6DDD9CEDDE}"/>
-              </a:ext>
-            </a:extLst>
-          </p:cNvPr>
+          <p:cNvPr id="7" name="CaixaDeTexto 6"/>
           <p:cNvSpPr txBox="1"/>
           <p:nvPr/>
         </p:nvSpPr>
@@ -4588,18 +4370,16 @@
               </a:rPr>
               <a:t>Recompensas e Autocuidado</a:t>
             </a:r>
-          </a:p>
-        </p:txBody>
-      </p:sp>
-      <p:sp>
-        <p:nvSpPr>
-          <p:cNvPr id="5" name="CaixaDeTexto 4">
-            <a:extLst>
-              <a:ext uri="{FF2B5EF4-FFF2-40B4-BE49-F238E27FC236}">
-                <a16:creationId xmlns:a16="http://schemas.microsoft.com/office/drawing/2014/main" id="{468DA992-289C-4AE1-A633-EBE8D9CFD1D2}"/>
-              </a:ext>
-            </a:extLst>
-          </p:cNvPr>
+            <a:endParaRPr lang="pt-BR" sz="3200" b="1" i="0" dirty="0">
+              <a:effectLst/>
+              <a:latin typeface="+mj-lt"/>
+            </a:endParaRPr>
+          </a:p>
+        </p:txBody>
+      </p:sp>
+      <p:sp>
+        <p:nvSpPr>
+          <p:cNvPr id="5" name="CaixaDeTexto 4"/>
           <p:cNvSpPr txBox="1"/>
           <p:nvPr/>
         </p:nvSpPr>
@@ -4623,6 +4403,7 @@
               <a:rPr lang="pt-BR" sz="2400" dirty="0"/>
               <a:t>Recompensar-se é como dar um doce para uma criança depois de um trabalho bem feito. As pequenas recompensas após atingir metas menores incentivam você a continuar se esforçando. Pode ser algo simples, como assistir a um episódio da sua série favorita ou comer um chocolate. É como recarregar as baterias, proporcionando energia e motivação para continuar.</a:t>
             </a:r>
+            <a:endParaRPr lang="pt-BR" sz="2400" dirty="0"/>
           </a:p>
           <a:p>
             <a:endParaRPr lang="pt-BR" sz="2400" dirty="0"/>
@@ -4632,15 +4413,11 @@
               <a:rPr lang="pt-BR" sz="2400" dirty="0"/>
               <a:t>O autocuidado é igualmente importante. Imagine-se como um carro que precisa de manutenção regular para continuar funcionando bem. Reservar tempo para descansar, dormir bem e se alimentar de forma saudável é essencial para manter a mente e o corpo em condições ideais para aprender. Sem esse cuidado, você pode acabar se esgotando e perdendo a motivação.</a:t>
             </a:r>
+            <a:endParaRPr lang="pt-BR" sz="2400" dirty="0"/>
           </a:p>
         </p:txBody>
       </p:sp>
     </p:spTree>
-    <p:extLst>
-      <p:ext uri="{BB962C8B-B14F-4D97-AF65-F5344CB8AC3E}">
-        <p14:creationId xmlns:p14="http://schemas.microsoft.com/office/powerpoint/2010/main" val="3717906633"/>
-      </p:ext>
-    </p:extLst>
   </p:cSld>
   <p:clrMapOvr>
     <a:masterClrMapping/>
@@ -4667,13 +4444,7 @@
       </p:grpSpPr>
       <p:sp>
         <p:nvSpPr>
-          <p:cNvPr id="7" name="CaixaDeTexto 6">
-            <a:extLst>
-              <a:ext uri="{FF2B5EF4-FFF2-40B4-BE49-F238E27FC236}">
-                <a16:creationId xmlns:a16="http://schemas.microsoft.com/office/drawing/2014/main" id="{B3AA3A49-4048-4BC9-8531-BE6DDD9CEDDE}"/>
-              </a:ext>
-            </a:extLst>
-          </p:cNvPr>
+          <p:cNvPr id="7" name="CaixaDeTexto 6"/>
           <p:cNvSpPr txBox="1"/>
           <p:nvPr/>
         </p:nvSpPr>
@@ -4701,18 +4472,16 @@
               </a:rPr>
               <a:t>Comunidades de Aprendizado</a:t>
             </a:r>
-          </a:p>
-        </p:txBody>
-      </p:sp>
-      <p:sp>
-        <p:nvSpPr>
-          <p:cNvPr id="5" name="CaixaDeTexto 4">
-            <a:extLst>
-              <a:ext uri="{FF2B5EF4-FFF2-40B4-BE49-F238E27FC236}">
-                <a16:creationId xmlns:a16="http://schemas.microsoft.com/office/drawing/2014/main" id="{468DA992-289C-4AE1-A633-EBE8D9CFD1D2}"/>
-              </a:ext>
-            </a:extLst>
-          </p:cNvPr>
+            <a:endParaRPr lang="pt-BR" sz="3200" b="1" i="0" dirty="0">
+              <a:effectLst/>
+              <a:latin typeface="+mj-lt"/>
+            </a:endParaRPr>
+          </a:p>
+        </p:txBody>
+      </p:sp>
+      <p:sp>
+        <p:nvSpPr>
+          <p:cNvPr id="5" name="CaixaDeTexto 4"/>
           <p:cNvSpPr txBox="1"/>
           <p:nvPr/>
         </p:nvSpPr>
@@ -4736,6 +4505,7 @@
               <a:rPr lang="pt-BR" sz="2400" dirty="0"/>
               <a:t>Participar de comunidades de aprendizado é como ser parte de um time de futebol. Você não está sozinho em campo; há outros ao seu redor com objetivos semelhantes, prontos para ajudar, apoiar e incentivar. Essas comunidades oferecem um ambiente de colaboração e troca de conhecimentos, onde todos se beneficiam das experiências e insights dos outros.</a:t>
             </a:r>
+            <a:endParaRPr lang="pt-BR" sz="2400" dirty="0"/>
           </a:p>
           <a:p>
             <a:endParaRPr lang="pt-BR" sz="2400" dirty="0"/>
@@ -4745,15 +4515,11 @@
               <a:rPr lang="pt-BR" sz="2400" dirty="0"/>
               <a:t>Estudar em grupo ou participar de fóruns online pode aumentar a motivação, pois a interação com outras pessoas torna o aprendizado mais dinâmico e menos solitário. Além disso, o compromisso com um grupo pode incentivar você a manter um ritmo constante e responsável em seus estudos.</a:t>
             </a:r>
+            <a:endParaRPr lang="pt-BR" sz="2400" dirty="0"/>
           </a:p>
         </p:txBody>
       </p:sp>
     </p:spTree>
-    <p:extLst>
-      <p:ext uri="{BB962C8B-B14F-4D97-AF65-F5344CB8AC3E}">
-        <p14:creationId xmlns:p14="http://schemas.microsoft.com/office/powerpoint/2010/main" val="2502885615"/>
-      </p:ext>
-    </p:extLst>
   </p:cSld>
   <p:clrMapOvr>
     <a:masterClrMapping/>
@@ -4780,13 +4546,7 @@
       </p:grpSpPr>
       <p:sp>
         <p:nvSpPr>
-          <p:cNvPr id="4" name="CaixaDeTexto 3">
-            <a:extLst>
-              <a:ext uri="{FF2B5EF4-FFF2-40B4-BE49-F238E27FC236}">
-                <a16:creationId xmlns:a16="http://schemas.microsoft.com/office/drawing/2014/main" id="{7213D272-E91B-4CD2-B96D-C7E3C005FC7D}"/>
-              </a:ext>
-            </a:extLst>
-          </p:cNvPr>
+          <p:cNvPr id="4" name="CaixaDeTexto 3"/>
           <p:cNvSpPr txBox="1"/>
           <p:nvPr/>
         </p:nvSpPr>
@@ -4821,11 +4581,6 @@
         </p:txBody>
       </p:sp>
     </p:spTree>
-    <p:extLst>
-      <p:ext uri="{BB962C8B-B14F-4D97-AF65-F5344CB8AC3E}">
-        <p14:creationId xmlns:p14="http://schemas.microsoft.com/office/powerpoint/2010/main" val="3659705098"/>
-      </p:ext>
-    </p:extLst>
   </p:cSld>
   <p:clrMapOvr>
     <a:masterClrMapping/>
@@ -4852,13 +4607,7 @@
       </p:grpSpPr>
       <p:sp>
         <p:nvSpPr>
-          <p:cNvPr id="7" name="CaixaDeTexto 6">
-            <a:extLst>
-              <a:ext uri="{FF2B5EF4-FFF2-40B4-BE49-F238E27FC236}">
-                <a16:creationId xmlns:a16="http://schemas.microsoft.com/office/drawing/2014/main" id="{B3AA3A49-4048-4BC9-8531-BE6DDD9CEDDE}"/>
-              </a:ext>
-            </a:extLst>
-          </p:cNvPr>
+          <p:cNvPr id="7" name="CaixaDeTexto 6"/>
           <p:cNvSpPr txBox="1"/>
           <p:nvPr/>
         </p:nvSpPr>
@@ -4886,18 +4635,16 @@
               </a:rPr>
               <a:t>Projetos Práticos</a:t>
             </a:r>
-          </a:p>
-        </p:txBody>
-      </p:sp>
-      <p:sp>
-        <p:nvSpPr>
-          <p:cNvPr id="5" name="CaixaDeTexto 4">
-            <a:extLst>
-              <a:ext uri="{FF2B5EF4-FFF2-40B4-BE49-F238E27FC236}">
-                <a16:creationId xmlns:a16="http://schemas.microsoft.com/office/drawing/2014/main" id="{468DA992-289C-4AE1-A633-EBE8D9CFD1D2}"/>
-              </a:ext>
-            </a:extLst>
-          </p:cNvPr>
+            <a:endParaRPr lang="pt-BR" sz="4000" b="1" i="0" dirty="0">
+              <a:effectLst/>
+              <a:latin typeface="ui-sans-serif"/>
+            </a:endParaRPr>
+          </a:p>
+        </p:txBody>
+      </p:sp>
+      <p:sp>
+        <p:nvSpPr>
+          <p:cNvPr id="5" name="CaixaDeTexto 4"/>
           <p:cNvSpPr txBox="1"/>
           <p:nvPr/>
         </p:nvSpPr>
@@ -4921,6 +4668,7 @@
               <a:rPr lang="pt-BR" sz="2400" dirty="0"/>
               <a:t>Aplicar o conhecimento é como transformar a teoria em magia. Quando você coloca em prática o que aprendeu, é como ver as palavras do livro ganharem vida. Projetos práticos são maneiras fantásticas de solidificar seu entendimento e descobrir novas nuances do conhecimento. É como construir algo com suas próprias mãos, onde cada peça encaixada revela mais sobre o que você sabe e o que ainda precisa aprender.</a:t>
             </a:r>
+            <a:endParaRPr lang="pt-BR" sz="2400" dirty="0"/>
           </a:p>
           <a:p>
             <a:endParaRPr lang="pt-BR" sz="2400" dirty="0"/>
@@ -4930,6 +4678,7 @@
               <a:rPr lang="pt-BR" sz="2400" dirty="0"/>
               <a:t>Projetos práticos não apenas reforçam o aprendizado, mas também tornam o processo mais envolvente e significativo. Seja um experimento científico, uma maquete, ou um aplicativo simples, cada projeto é uma oportunidade de aprender fazendo.</a:t>
             </a:r>
+            <a:endParaRPr lang="pt-BR" sz="2400" dirty="0"/>
           </a:p>
           <a:p>
             <a:endParaRPr lang="pt-BR" sz="2400" dirty="0"/>
@@ -4937,11 +4686,6 @@
         </p:txBody>
       </p:sp>
     </p:spTree>
-    <p:extLst>
-      <p:ext uri="{BB962C8B-B14F-4D97-AF65-F5344CB8AC3E}">
-        <p14:creationId xmlns:p14="http://schemas.microsoft.com/office/powerpoint/2010/main" val="1831805867"/>
-      </p:ext>
-    </p:extLst>
   </p:cSld>
   <p:clrMapOvr>
     <a:masterClrMapping/>
@@ -4968,13 +4712,7 @@
       </p:grpSpPr>
       <p:sp>
         <p:nvSpPr>
-          <p:cNvPr id="7" name="CaixaDeTexto 6">
-            <a:extLst>
-              <a:ext uri="{FF2B5EF4-FFF2-40B4-BE49-F238E27FC236}">
-                <a16:creationId xmlns:a16="http://schemas.microsoft.com/office/drawing/2014/main" id="{B3AA3A49-4048-4BC9-8531-BE6DDD9CEDDE}"/>
-              </a:ext>
-            </a:extLst>
-          </p:cNvPr>
+          <p:cNvPr id="7" name="CaixaDeTexto 6"/>
           <p:cNvSpPr txBox="1"/>
           <p:nvPr/>
         </p:nvSpPr>
@@ -5002,18 +4740,16 @@
               </a:rPr>
               <a:t>Estágios e Voluntariado</a:t>
             </a:r>
-          </a:p>
-        </p:txBody>
-      </p:sp>
-      <p:sp>
-        <p:nvSpPr>
-          <p:cNvPr id="5" name="CaixaDeTexto 4">
-            <a:extLst>
-              <a:ext uri="{FF2B5EF4-FFF2-40B4-BE49-F238E27FC236}">
-                <a16:creationId xmlns:a16="http://schemas.microsoft.com/office/drawing/2014/main" id="{468DA992-289C-4AE1-A633-EBE8D9CFD1D2}"/>
-              </a:ext>
-            </a:extLst>
-          </p:cNvPr>
+            <a:endParaRPr lang="pt-BR" sz="3200" b="1" i="0" dirty="0">
+              <a:effectLst/>
+              <a:latin typeface="+mj-lt"/>
+            </a:endParaRPr>
+          </a:p>
+        </p:txBody>
+      </p:sp>
+      <p:sp>
+        <p:nvSpPr>
+          <p:cNvPr id="5" name="CaixaDeTexto 4"/>
           <p:cNvSpPr txBox="1"/>
           <p:nvPr/>
         </p:nvSpPr>
@@ -5037,6 +4773,7 @@
               <a:rPr lang="pt-BR" sz="2400" dirty="0"/>
               <a:t>Estágios e voluntariado são como pontes que conectam a sala de aula ao mundo real. Eles oferecem a chance de aplicar o conhecimento em situações concretas, enfrentando desafios e resolvendo problemas reais. É como sair de um simulador de voo e pilotar um avião de verdade - emocionante e revelador. Essas experiências permitem que você veja como suas habilidades se traduzem em impacto real, ajustando e aprimorando conforme necessário.</a:t>
             </a:r>
+            <a:endParaRPr lang="pt-BR" sz="2400" dirty="0"/>
           </a:p>
           <a:p>
             <a:endParaRPr lang="pt-BR" sz="2400" dirty="0"/>
@@ -5046,15 +4783,11 @@
               <a:rPr lang="pt-BR" sz="2400" dirty="0"/>
               <a:t>Além de ganhar experiência prática, estágios e voluntariado também ajudam a construir uma rede de contatos e a descobrir novas áreas de interesse. É uma maneira de expandir seus horizontes e encontrar seu lugar no mundo profissional.</a:t>
             </a:r>
+            <a:endParaRPr lang="pt-BR" sz="2400" dirty="0"/>
           </a:p>
         </p:txBody>
       </p:sp>
     </p:spTree>
-    <p:extLst>
-      <p:ext uri="{BB962C8B-B14F-4D97-AF65-F5344CB8AC3E}">
-        <p14:creationId xmlns:p14="http://schemas.microsoft.com/office/powerpoint/2010/main" val="488430324"/>
-      </p:ext>
-    </p:extLst>
   </p:cSld>
   <p:clrMapOvr>
     <a:masterClrMapping/>
@@ -5081,13 +4814,7 @@
       </p:grpSpPr>
       <p:sp>
         <p:nvSpPr>
-          <p:cNvPr id="7" name="CaixaDeTexto 6">
-            <a:extLst>
-              <a:ext uri="{FF2B5EF4-FFF2-40B4-BE49-F238E27FC236}">
-                <a16:creationId xmlns:a16="http://schemas.microsoft.com/office/drawing/2014/main" id="{B3AA3A49-4048-4BC9-8531-BE6DDD9CEDDE}"/>
-              </a:ext>
-            </a:extLst>
-          </p:cNvPr>
+          <p:cNvPr id="7" name="CaixaDeTexto 6"/>
           <p:cNvSpPr txBox="1"/>
           <p:nvPr/>
         </p:nvSpPr>
@@ -5115,18 +4842,16 @@
               </a:rPr>
               <a:t>Feedback e Melhoria Contínua</a:t>
             </a:r>
-          </a:p>
-        </p:txBody>
-      </p:sp>
-      <p:sp>
-        <p:nvSpPr>
-          <p:cNvPr id="5" name="CaixaDeTexto 4">
-            <a:extLst>
-              <a:ext uri="{FF2B5EF4-FFF2-40B4-BE49-F238E27FC236}">
-                <a16:creationId xmlns:a16="http://schemas.microsoft.com/office/drawing/2014/main" id="{468DA992-289C-4AE1-A633-EBE8D9CFD1D2}"/>
-              </a:ext>
-            </a:extLst>
-          </p:cNvPr>
+            <a:endParaRPr lang="pt-BR" sz="3200" b="1" i="0" dirty="0">
+              <a:effectLst/>
+              <a:latin typeface="+mj-lt"/>
+            </a:endParaRPr>
+          </a:p>
+        </p:txBody>
+      </p:sp>
+      <p:sp>
+        <p:nvSpPr>
+          <p:cNvPr id="5" name="CaixaDeTexto 4"/>
           <p:cNvSpPr txBox="1"/>
           <p:nvPr/>
         </p:nvSpPr>
@@ -5150,6 +4875,7 @@
               <a:rPr lang="pt-BR" sz="2400" dirty="0"/>
               <a:t>Buscar feedback é como olhar para um espelho que reflete não apenas sua imagem, mas também suas áreas de melhoria. O feedback construtivo é essencial para identificar suas fortalezas e fraquezas, permitindo que você ajuste suas estratégias de aprendizado e melhore continuamente. É como um treinador pessoal que aponta onde você pode melhorar para alcançar a excelência.</a:t>
             </a:r>
+            <a:endParaRPr lang="pt-BR" sz="2400" dirty="0"/>
           </a:p>
           <a:p>
             <a:endParaRPr lang="pt-BR" sz="2400" dirty="0"/>
@@ -5159,15 +4885,11 @@
               <a:rPr lang="pt-BR" sz="2400" dirty="0"/>
               <a:t>Receber e aplicar feedback de maneira eficaz transforma seu processo de aprendizado em um ciclo contínuo de crescimento. Cada crítica construtiva é uma oportunidade de afinar suas habilidades e ampliar seu conhecimento, levando você a níveis mais altos de competência.</a:t>
             </a:r>
+            <a:endParaRPr lang="pt-BR" sz="2400" dirty="0"/>
           </a:p>
         </p:txBody>
       </p:sp>
     </p:spTree>
-    <p:extLst>
-      <p:ext uri="{BB962C8B-B14F-4D97-AF65-F5344CB8AC3E}">
-        <p14:creationId xmlns:p14="http://schemas.microsoft.com/office/powerpoint/2010/main" val="1436755208"/>
-      </p:ext>
-    </p:extLst>
   </p:cSld>
   <p:clrMapOvr>
     <a:masterClrMapping/>
@@ -5194,13 +4916,7 @@
       </p:grpSpPr>
       <p:sp>
         <p:nvSpPr>
-          <p:cNvPr id="6" name="CaixaDeTexto 5">
-            <a:extLst>
-              <a:ext uri="{FF2B5EF4-FFF2-40B4-BE49-F238E27FC236}">
-                <a16:creationId xmlns:a16="http://schemas.microsoft.com/office/drawing/2014/main" id="{7B85DCC0-4FEE-45AE-86F2-264FA6ACB85C}"/>
-              </a:ext>
-            </a:extLst>
-          </p:cNvPr>
+          <p:cNvPr id="6" name="CaixaDeTexto 5"/>
           <p:cNvSpPr txBox="1"/>
           <p:nvPr/>
         </p:nvSpPr>
@@ -5224,6 +4940,7 @@
               <a:rPr lang="pt-BR" sz="2400" dirty="0"/>
               <a:t>Aprender é como construir uma casa. Se você colocar os tijolos de qualquer jeito, sem planejamento, a casa vai desmoronar na primeira tempestade. Aprender de forma eficaz é como usar um plano bem desenhado, onde cada tijolo está no lugar certo, garantindo que a casa (seu conhecimento) seja forte e duradoura.</a:t>
             </a:r>
+            <a:endParaRPr lang="pt-BR" sz="2400" dirty="0"/>
           </a:p>
           <a:p>
             <a:endParaRPr lang="pt-BR" sz="2400" dirty="0"/>
@@ -5233,18 +4950,13 @@
               <a:rPr lang="pt-BR" sz="2400" dirty="0"/>
               <a:t>A importância de aprender de forma eficaz não se limita apenas à escola ou ao trabalho. Pense em quantas vezes você teve que aprender algo novo, como cozinhar uma receita diferente ou usar um novo aplicativo no celular. Quando você aprende de forma eficiente, economiza tempo e energia, permitindo que aproveite melhor os resultados do seu esforço. </a:t>
             </a:r>
-          </a:p>
-        </p:txBody>
-      </p:sp>
-      <p:sp>
-        <p:nvSpPr>
-          <p:cNvPr id="7" name="CaixaDeTexto 6">
-            <a:extLst>
-              <a:ext uri="{FF2B5EF4-FFF2-40B4-BE49-F238E27FC236}">
-                <a16:creationId xmlns:a16="http://schemas.microsoft.com/office/drawing/2014/main" id="{B3AA3A49-4048-4BC9-8531-BE6DDD9CEDDE}"/>
-              </a:ext>
-            </a:extLst>
-          </p:cNvPr>
+            <a:endParaRPr lang="pt-BR" sz="2400" dirty="0"/>
+          </a:p>
+        </p:txBody>
+      </p:sp>
+      <p:sp>
+        <p:nvSpPr>
+          <p:cNvPr id="7" name="CaixaDeTexto 6"/>
           <p:cNvSpPr txBox="1"/>
           <p:nvPr/>
         </p:nvSpPr>
@@ -5271,15 +4983,13 @@
               </a:rPr>
               <a:t>Aprender de forma eficaz</a:t>
             </a:r>
+            <a:endParaRPr lang="pt-BR" sz="4000" b="1" i="0" dirty="0">
+              <a:effectLst/>
+            </a:endParaRPr>
           </a:p>
         </p:txBody>
       </p:sp>
     </p:spTree>
-    <p:extLst>
-      <p:ext uri="{BB962C8B-B14F-4D97-AF65-F5344CB8AC3E}">
-        <p14:creationId xmlns:p14="http://schemas.microsoft.com/office/powerpoint/2010/main" val="3569439633"/>
-      </p:ext>
-    </p:extLst>
   </p:cSld>
   <p:clrMapOvr>
     <a:masterClrMapping/>
@@ -5306,13 +5016,7 @@
       </p:grpSpPr>
       <p:sp>
         <p:nvSpPr>
-          <p:cNvPr id="6" name="CaixaDeTexto 5">
-            <a:extLst>
-              <a:ext uri="{FF2B5EF4-FFF2-40B4-BE49-F238E27FC236}">
-                <a16:creationId xmlns:a16="http://schemas.microsoft.com/office/drawing/2014/main" id="{7B85DCC0-4FEE-45AE-86F2-264FA6ACB85C}"/>
-              </a:ext>
-            </a:extLst>
-          </p:cNvPr>
+          <p:cNvPr id="6" name="CaixaDeTexto 5"/>
           <p:cNvSpPr txBox="1"/>
           <p:nvPr/>
         </p:nvSpPr>
@@ -5336,18 +5040,13 @@
               <a:rPr lang="pt-BR" sz="2400" dirty="0"/>
               <a:t>Em um mundo onde a informação é tão abundante quanto estrelas no céu, saber como absorver o conhecimento de forma eficaz é uma habilidade essencial.</a:t>
             </a:r>
-          </a:p>
-        </p:txBody>
-      </p:sp>
-      <p:sp>
-        <p:nvSpPr>
-          <p:cNvPr id="11" name="CaixaDeTexto 10">
-            <a:extLst>
-              <a:ext uri="{FF2B5EF4-FFF2-40B4-BE49-F238E27FC236}">
-                <a16:creationId xmlns:a16="http://schemas.microsoft.com/office/drawing/2014/main" id="{7144DEE4-8CF4-49F5-8E02-241E24988FB0}"/>
-              </a:ext>
-            </a:extLst>
-          </p:cNvPr>
+            <a:endParaRPr lang="pt-BR" sz="2400" dirty="0"/>
+          </a:p>
+        </p:txBody>
+      </p:sp>
+      <p:sp>
+        <p:nvSpPr>
+          <p:cNvPr id="11" name="CaixaDeTexto 10"/>
           <p:cNvSpPr txBox="1"/>
           <p:nvPr/>
         </p:nvSpPr>
@@ -5375,18 +5074,16 @@
               </a:rPr>
               <a:t>Como Nosso Cérebro Processa Informações</a:t>
             </a:r>
-          </a:p>
-        </p:txBody>
-      </p:sp>
-      <p:sp>
-        <p:nvSpPr>
-          <p:cNvPr id="12" name="CaixaDeTexto 11">
-            <a:extLst>
-              <a:ext uri="{FF2B5EF4-FFF2-40B4-BE49-F238E27FC236}">
-                <a16:creationId xmlns:a16="http://schemas.microsoft.com/office/drawing/2014/main" id="{E84BB20E-6776-4D08-8028-8C3C17B30B84}"/>
-              </a:ext>
-            </a:extLst>
-          </p:cNvPr>
+            <a:endParaRPr lang="pt-BR" sz="3200" b="1" i="0" dirty="0">
+              <a:effectLst/>
+              <a:latin typeface="+mj-lt"/>
+            </a:endParaRPr>
+          </a:p>
+        </p:txBody>
+      </p:sp>
+      <p:sp>
+        <p:nvSpPr>
+          <p:cNvPr id="12" name="CaixaDeTexto 11"/>
           <p:cNvSpPr txBox="1"/>
           <p:nvPr/>
         </p:nvSpPr>
@@ -5410,15 +5107,11 @@
               <a:rPr lang="pt-BR" sz="2400" dirty="0"/>
               <a:t>Nosso cérebro é como um computador superpoderoso, mas ao contrário dos computadores comuns, ele não vem com um manual de instruções. Ele processa informações de várias maneiras: através dos sentidos, das experiências e das emoções. Nosso cérebro é como um computador superpoderoso, mas ao contrário dos computadores comuns, ele não vem com um manual de instruções. Ele processa informações de várias maneiras: através dos sentidos, das experiências e das emoções. </a:t>
             </a:r>
+            <a:endParaRPr lang="pt-BR" sz="2400" dirty="0"/>
           </a:p>
         </p:txBody>
       </p:sp>
     </p:spTree>
-    <p:extLst>
-      <p:ext uri="{BB962C8B-B14F-4D97-AF65-F5344CB8AC3E}">
-        <p14:creationId xmlns:p14="http://schemas.microsoft.com/office/powerpoint/2010/main" val="3004114311"/>
-      </p:ext>
-    </p:extLst>
   </p:cSld>
   <p:clrMapOvr>
     <a:masterClrMapping/>
@@ -5445,13 +5138,7 @@
       </p:grpSpPr>
       <p:sp>
         <p:nvSpPr>
-          <p:cNvPr id="5" name="CaixaDeTexto 4">
-            <a:extLst>
-              <a:ext uri="{FF2B5EF4-FFF2-40B4-BE49-F238E27FC236}">
-                <a16:creationId xmlns:a16="http://schemas.microsoft.com/office/drawing/2014/main" id="{91F10BCA-E0D9-4E25-A8EB-06B4E22B99A8}"/>
-              </a:ext>
-            </a:extLst>
-          </p:cNvPr>
+          <p:cNvPr id="5" name="CaixaDeTexto 4"/>
           <p:cNvSpPr txBox="1"/>
           <p:nvPr/>
         </p:nvSpPr>
@@ -5475,21 +5162,18 @@
               <a:rPr lang="pt-BR" sz="2400" dirty="0"/>
               <a:t>Se você cuidar bem, regando e dando luz, essa semente cresce e se transforma em uma árvore frondosa de conhecimento.</a:t>
             </a:r>
+            <a:endParaRPr lang="pt-BR" sz="2400" dirty="0"/>
           </a:p>
           <a:p>
             <a:r>
               <a:rPr lang="pt-BR" sz="2400" dirty="0"/>
               <a:t>A neuroplasticidade é a capacidade do cérebro de se reorganizar e formar novas conexões ao longo da vida. Isso significa que nunca é tarde para aprender algo novo. Com as técnicas certas, você pode fortalecer essas conexões e melhorar sua memória e habilidades. Pensar no cérebro como um músculo que pode ser treinado ajuda a entender que, quanto mais você o exercita com desafios novos, mais forte ele fica.</a:t>
             </a:r>
+            <a:endParaRPr lang="pt-BR" sz="2400" dirty="0"/>
           </a:p>
         </p:txBody>
       </p:sp>
     </p:spTree>
-    <p:extLst>
-      <p:ext uri="{BB962C8B-B14F-4D97-AF65-F5344CB8AC3E}">
-        <p14:creationId xmlns:p14="http://schemas.microsoft.com/office/powerpoint/2010/main" val="509962796"/>
-      </p:ext>
-    </p:extLst>
   </p:cSld>
   <p:clrMapOvr>
     <a:masterClrMapping/>
@@ -5516,13 +5200,7 @@
       </p:grpSpPr>
       <p:sp>
         <p:nvSpPr>
-          <p:cNvPr id="4" name="CaixaDeTexto 3">
-            <a:extLst>
-              <a:ext uri="{FF2B5EF4-FFF2-40B4-BE49-F238E27FC236}">
-                <a16:creationId xmlns:a16="http://schemas.microsoft.com/office/drawing/2014/main" id="{7213D272-E91B-4CD2-B96D-C7E3C005FC7D}"/>
-              </a:ext>
-            </a:extLst>
-          </p:cNvPr>
+          <p:cNvPr id="4" name="CaixaDeTexto 3"/>
           <p:cNvSpPr txBox="1"/>
           <p:nvPr/>
         </p:nvSpPr>
@@ -5550,15 +5228,14 @@
               </a:rPr>
               <a:t>Métodos de Aprendizado</a:t>
             </a:r>
+            <a:endParaRPr lang="pt-BR" sz="4800" i="0" dirty="0">
+              <a:effectLst/>
+              <a:latin typeface="Bahnschrift Light Condensed" panose="020B0502040204020203" pitchFamily="34" charset="0"/>
+            </a:endParaRPr>
           </a:p>
         </p:txBody>
       </p:sp>
     </p:spTree>
-    <p:extLst>
-      <p:ext uri="{BB962C8B-B14F-4D97-AF65-F5344CB8AC3E}">
-        <p14:creationId xmlns:p14="http://schemas.microsoft.com/office/powerpoint/2010/main" val="571403161"/>
-      </p:ext>
-    </p:extLst>
   </p:cSld>
   <p:clrMapOvr>
     <a:masterClrMapping/>
@@ -5585,13 +5262,7 @@
       </p:grpSpPr>
       <p:sp>
         <p:nvSpPr>
-          <p:cNvPr id="6" name="CaixaDeTexto 5">
-            <a:extLst>
-              <a:ext uri="{FF2B5EF4-FFF2-40B4-BE49-F238E27FC236}">
-                <a16:creationId xmlns:a16="http://schemas.microsoft.com/office/drawing/2014/main" id="{7B85DCC0-4FEE-45AE-86F2-264FA6ACB85C}"/>
-              </a:ext>
-            </a:extLst>
-          </p:cNvPr>
+          <p:cNvPr id="6" name="CaixaDeTexto 5"/>
           <p:cNvSpPr txBox="1"/>
           <p:nvPr/>
         </p:nvSpPr>
@@ -5617,6 +5288,9 @@
               </a:rPr>
               <a:t>Aprender é como encontrar o caminho certo em um labirinto. Cada pessoa tem seu próprio jeito de percorrer os corredores do conhecimento. Alguns preferem seguir as setas visuais, outros preferem ouvir as pistas sonoras, enquanto alguns precisam mesmo é colocar a mão na massa para entender. Descobrir o seu estilo de aprendizado é como encontrar o mapa que mostra o caminho mais rápido para sair do labirinto. </a:t>
             </a:r>
+            <a:endParaRPr lang="pt-BR" sz="2400" b="0" i="0" dirty="0">
+              <a:effectLst/>
+            </a:endParaRPr>
           </a:p>
           <a:p>
             <a:endParaRPr lang="pt-BR" sz="2400" b="0" i="0" dirty="0">
@@ -5636,13 +5310,7 @@
       </p:sp>
       <p:sp>
         <p:nvSpPr>
-          <p:cNvPr id="7" name="CaixaDeTexto 6">
-            <a:extLst>
-              <a:ext uri="{FF2B5EF4-FFF2-40B4-BE49-F238E27FC236}">
-                <a16:creationId xmlns:a16="http://schemas.microsoft.com/office/drawing/2014/main" id="{B3AA3A49-4048-4BC9-8531-BE6DDD9CEDDE}"/>
-              </a:ext>
-            </a:extLst>
-          </p:cNvPr>
+          <p:cNvPr id="7" name="CaixaDeTexto 6"/>
           <p:cNvSpPr txBox="1"/>
           <p:nvPr/>
         </p:nvSpPr>
@@ -5670,15 +5338,14 @@
               </a:rPr>
               <a:t>Estilos de Aprendizado</a:t>
             </a:r>
+            <a:endParaRPr lang="pt-BR" sz="4000" b="1" i="0" dirty="0">
+              <a:effectLst/>
+              <a:latin typeface="ui-sans-serif"/>
+            </a:endParaRPr>
           </a:p>
         </p:txBody>
       </p:sp>
     </p:spTree>
-    <p:extLst>
-      <p:ext uri="{BB962C8B-B14F-4D97-AF65-F5344CB8AC3E}">
-        <p14:creationId xmlns:p14="http://schemas.microsoft.com/office/powerpoint/2010/main" val="4150750436"/>
-      </p:ext>
-    </p:extLst>
   </p:cSld>
   <p:clrMapOvr>
     <a:masterClrMapping/>
@@ -5705,13 +5372,7 @@
       </p:grpSpPr>
       <p:sp>
         <p:nvSpPr>
-          <p:cNvPr id="10" name="CaixaDeTexto 9">
-            <a:extLst>
-              <a:ext uri="{FF2B5EF4-FFF2-40B4-BE49-F238E27FC236}">
-                <a16:creationId xmlns:a16="http://schemas.microsoft.com/office/drawing/2014/main" id="{0B6CCDBA-5DA5-4731-BFAB-11535F6C0C72}"/>
-              </a:ext>
-            </a:extLst>
-          </p:cNvPr>
+          <p:cNvPr id="10" name="CaixaDeTexto 9"/>
           <p:cNvSpPr txBox="1"/>
           <p:nvPr/>
         </p:nvSpPr>
@@ -5735,18 +5396,13 @@
               <a:rPr lang="pt-BR" sz="2400" dirty="0"/>
               <a:t>É como se você estivesse afinando uma estação de rádio: uma vez que encontra a frequência certa, a música soa mais clara e vibrante.</a:t>
             </a:r>
-          </a:p>
-        </p:txBody>
-      </p:sp>
-      <p:sp>
-        <p:nvSpPr>
-          <p:cNvPr id="12" name="CaixaDeTexto 11">
-            <a:extLst>
-              <a:ext uri="{FF2B5EF4-FFF2-40B4-BE49-F238E27FC236}">
-                <a16:creationId xmlns:a16="http://schemas.microsoft.com/office/drawing/2014/main" id="{FFABC2FB-0CED-4AF4-A353-3E915E891436}"/>
-              </a:ext>
-            </a:extLst>
-          </p:cNvPr>
+            <a:endParaRPr lang="pt-BR" sz="2400" dirty="0"/>
+          </a:p>
+        </p:txBody>
+      </p:sp>
+      <p:sp>
+        <p:nvSpPr>
+          <p:cNvPr id="12" name="CaixaDeTexto 11"/>
           <p:cNvSpPr txBox="1"/>
           <p:nvPr/>
         </p:nvSpPr>
@@ -5780,18 +5436,16 @@
               </a:rPr>
               <a:t>écnica de Pomodoro</a:t>
             </a:r>
-          </a:p>
-        </p:txBody>
-      </p:sp>
-      <p:sp>
-        <p:nvSpPr>
-          <p:cNvPr id="13" name="CaixaDeTexto 12">
-            <a:extLst>
-              <a:ext uri="{FF2B5EF4-FFF2-40B4-BE49-F238E27FC236}">
-                <a16:creationId xmlns:a16="http://schemas.microsoft.com/office/drawing/2014/main" id="{F8A4417B-FDA3-4EDD-A08E-B478E9879D56}"/>
-              </a:ext>
-            </a:extLst>
-          </p:cNvPr>
+            <a:endParaRPr lang="pt-BR" sz="3200" b="1" i="0" dirty="0">
+              <a:effectLst/>
+              <a:latin typeface="+mj-lt"/>
+            </a:endParaRPr>
+          </a:p>
+        </p:txBody>
+      </p:sp>
+      <p:sp>
+        <p:nvSpPr>
+          <p:cNvPr id="13" name="CaixaDeTexto 12"/>
           <p:cNvSpPr txBox="1"/>
           <p:nvPr/>
         </p:nvSpPr>
@@ -5815,6 +5469,7 @@
               <a:rPr lang="pt-BR" sz="2400" dirty="0"/>
               <a:t>A concentração é como uma vela em um dia de ventania: frágil e facilmente apagada. A técnica de Pomodoro é como um abrigo seguro que protege sua vela do vento. Dividindo seu tempo em períodos de trabalho focado e pequenos intervalos, você mantém a chama da concentração acesa e constante. É como se você estivesse correndo uma maratona, mas em vez de se esgotar logo no início, você mantém um ritmo constante até cruzar a linha de chegada.</a:t>
             </a:r>
+            <a:endParaRPr lang="pt-BR" sz="2400" dirty="0"/>
           </a:p>
           <a:p>
             <a:endParaRPr lang="pt-BR" sz="2400" dirty="0"/>
@@ -5824,15 +5479,11 @@
               <a:rPr lang="pt-BR" sz="2400" dirty="0"/>
               <a:t>Usar a técnica de Pomodoro não apenas melhora sua produtividade, mas também evita a exaustão mental. </a:t>
             </a:r>
+            <a:endParaRPr lang="pt-BR" sz="2400" dirty="0"/>
           </a:p>
         </p:txBody>
       </p:sp>
     </p:spTree>
-    <p:extLst>
-      <p:ext uri="{BB962C8B-B14F-4D97-AF65-F5344CB8AC3E}">
-        <p14:creationId xmlns:p14="http://schemas.microsoft.com/office/powerpoint/2010/main" val="263571159"/>
-      </p:ext>
-    </p:extLst>
   </p:cSld>
   <p:clrMapOvr>
     <a:masterClrMapping/>
@@ -5859,13 +5510,7 @@
       </p:grpSpPr>
       <p:sp>
         <p:nvSpPr>
-          <p:cNvPr id="7" name="CaixaDeTexto 6">
-            <a:extLst>
-              <a:ext uri="{FF2B5EF4-FFF2-40B4-BE49-F238E27FC236}">
-                <a16:creationId xmlns:a16="http://schemas.microsoft.com/office/drawing/2014/main" id="{B3AA3A49-4048-4BC9-8531-BE6DDD9CEDDE}"/>
-              </a:ext>
-            </a:extLst>
-          </p:cNvPr>
+          <p:cNvPr id="7" name="CaixaDeTexto 6"/>
           <p:cNvSpPr txBox="1"/>
           <p:nvPr/>
         </p:nvSpPr>
@@ -5899,18 +5544,16 @@
               </a:rPr>
               <a:t>écnica de Pomodoro</a:t>
             </a:r>
-          </a:p>
-        </p:txBody>
-      </p:sp>
-      <p:sp>
-        <p:nvSpPr>
-          <p:cNvPr id="5" name="CaixaDeTexto 4">
-            <a:extLst>
-              <a:ext uri="{FF2B5EF4-FFF2-40B4-BE49-F238E27FC236}">
-                <a16:creationId xmlns:a16="http://schemas.microsoft.com/office/drawing/2014/main" id="{468DA992-289C-4AE1-A633-EBE8D9CFD1D2}"/>
-              </a:ext>
-            </a:extLst>
-          </p:cNvPr>
+            <a:endParaRPr lang="pt-BR" sz="3200" b="1" i="0" dirty="0">
+              <a:effectLst/>
+              <a:latin typeface="+mj-lt"/>
+            </a:endParaRPr>
+          </a:p>
+        </p:txBody>
+      </p:sp>
+      <p:sp>
+        <p:nvSpPr>
+          <p:cNvPr id="5" name="CaixaDeTexto 4"/>
           <p:cNvSpPr txBox="1"/>
           <p:nvPr/>
         </p:nvSpPr>
@@ -5934,6 +5577,7 @@
               <a:rPr lang="pt-BR" sz="2400" dirty="0"/>
               <a:t>A concentração é como uma vela em um dia de ventania: frágil e facilmente apagada. A técnica de Pomodoro é como um abrigo seguro que protege sua vela do vento. Dividindo seu tempo em períodos de trabalho focado e pequenos intervalos, você mantém a chama da concentração acesa e constante. É como se você estivesse correndo uma maratona, mas em vez de se esgotar logo no início, você mantém um ritmo constante até cruzar a linha de chegada.</a:t>
             </a:r>
+            <a:endParaRPr lang="pt-BR" sz="2400" dirty="0"/>
           </a:p>
           <a:p>
             <a:endParaRPr lang="pt-BR" sz="2400" dirty="0"/>
@@ -5943,18 +5587,13 @@
               <a:rPr lang="pt-BR" sz="2400" dirty="0"/>
               <a:t>Usar a técnica de Pomodoro não apenas melhora sua produtividade, mas também evita a exaustão mental. Ao dar pausas regulares para descansar e recarregar, você mantém sua mente fresca e pronta para absorver mais conhecimento.</a:t>
             </a:r>
-          </a:p>
-        </p:txBody>
-      </p:sp>
-      <p:sp>
-        <p:nvSpPr>
-          <p:cNvPr id="9" name="CaixaDeTexto 8">
-            <a:extLst>
-              <a:ext uri="{FF2B5EF4-FFF2-40B4-BE49-F238E27FC236}">
-                <a16:creationId xmlns:a16="http://schemas.microsoft.com/office/drawing/2014/main" id="{FC5810F9-CEB9-4437-906F-3E95467EFC13}"/>
-              </a:ext>
-            </a:extLst>
-          </p:cNvPr>
+            <a:endParaRPr lang="pt-BR" sz="2400" dirty="0"/>
+          </a:p>
+        </p:txBody>
+      </p:sp>
+      <p:sp>
+        <p:nvSpPr>
+          <p:cNvPr id="9" name="CaixaDeTexto 8"/>
           <p:cNvSpPr txBox="1"/>
           <p:nvPr/>
         </p:nvSpPr>
@@ -5978,6 +5617,7 @@
               <a:rPr lang="pt-BR" sz="2400" dirty="0"/>
               <a:t>A concentração é como uma vela em um dia de ventania: frágil e facilmente apagada. A técnica de Pomodoro é como um abrigo seguro que protege sua vela do vento. Dividindo seu tempo em períodos de trabalho focado e pequenos intervalos, você mantém a chama da concentração acesa e constante. É como se você estivesse correndo uma maratona, mas em vez de se esgotar logo no início, você mantém um ritmo constante até cruzar a linha de chegada.</a:t>
             </a:r>
+            <a:endParaRPr lang="pt-BR" sz="2400" dirty="0"/>
           </a:p>
           <a:p>
             <a:endParaRPr lang="pt-BR" sz="2400" dirty="0"/>
@@ -5987,15 +5627,11 @@
               <a:rPr lang="pt-BR" sz="2400" dirty="0"/>
               <a:t>Usar a técnica de Pomodoro não apenas melhora sua produtividade, mas também evita a exaustão mental. Ao dar pausas regulares para descansar e recarregar, você mantém sua mente fresca e pronta para absorver mais conhecimento.</a:t>
             </a:r>
+            <a:endParaRPr lang="pt-BR" sz="2400" dirty="0"/>
           </a:p>
         </p:txBody>
       </p:sp>
     </p:spTree>
-    <p:extLst>
-      <p:ext uri="{BB962C8B-B14F-4D97-AF65-F5344CB8AC3E}">
-        <p14:creationId xmlns:p14="http://schemas.microsoft.com/office/powerpoint/2010/main" val="3174021297"/>
-      </p:ext>
-    </p:extLst>
   </p:cSld>
   <p:clrMapOvr>
     <a:masterClrMapping/>
@@ -6046,7 +5682,7 @@
     </a:clrScheme>
     <a:fontScheme name="Tema do Office">
       <a:majorFont>
-        <a:latin typeface="Calibri Light" panose="020F0302020204030204"/>
+        <a:latin typeface="Calibri Light"/>
         <a:ea typeface=""/>
         <a:cs typeface=""/>
         <a:font script="Jpan" typeface="游ゴシック Light"/>
@@ -6081,7 +5717,7 @@
         <a:font script="Geor" typeface="Sylfaen"/>
       </a:majorFont>
       <a:minorFont>
-        <a:latin typeface="Calibri" panose="020F0502020204030204"/>
+        <a:latin typeface="Calibri"/>
         <a:ea typeface=""/>
         <a:cs typeface=""/>
         <a:font script="Jpan" typeface="游ゴシック"/>
@@ -6254,8 +5890,6 @@
       </a:bgFillStyleLst>
     </a:fmtScheme>
   </a:themeElements>
-  <a:objectDefaults/>
-  <a:extraClrSchemeLst/>
   <a:extLst>
     <a:ext uri="{05A4C25C-085E-4340-85A3-A5531E510DB2}">
       <thm15:themeFamily xmlns:thm15="http://schemas.microsoft.com/office/thememl/2012/main" name="Office Theme" id="{62F939B6-93AF-4DB8-9C6B-D6C7DFDC589F}" vid="{4A3C46E8-61CC-4603-A589-7422A47A8E4A}"/>
